--- a/writing/veglidar_litreview.pptx
+++ b/writing/veglidar_litreview.pptx
@@ -8,6 +8,10 @@
     <p:sldId id="256" r:id="rId2"/>
     <p:sldId id="257" r:id="rId3"/>
     <p:sldId id="258" r:id="rId4"/>
+    <p:sldId id="259" r:id="rId5"/>
+    <p:sldId id="260" r:id="rId6"/>
+    <p:sldId id="261" r:id="rId7"/>
+    <p:sldId id="262" r:id="rId8"/>
   </p:sldIdLst>
   <p:sldSz cx="12192000" cy="6858000"/>
   <p:notesSz cx="6858000" cy="9144000"/>
@@ -106,6 +110,11 @@
       </a:defRPr>
     </a:lvl9pPr>
   </p:defaultTextStyle>
+  <p:extLst>
+    <p:ext uri="{EFAFB233-063F-42B5-8137-9DF3F51BA10A}">
+      <p15:sldGuideLst xmlns:p15="http://schemas.microsoft.com/office/powerpoint/2012/main"/>
+    </p:ext>
+  </p:extLst>
 </p:presentation>
 </file>
 
@@ -3435,13 +3444,13 @@
         <p:spPr/>
         <p:txBody>
           <a:bodyPr>
-            <a:normAutofit fontScale="55000" lnSpcReduction="20000"/>
+            <a:normAutofit fontScale="47500" lnSpcReduction="20000"/>
           </a:bodyPr>
           <a:lstStyle/>
           <a:p>
             <a:r>
               <a:rPr lang="en-US" dirty="0"/>
-              <a:t>Influence of Vegetation Structure on Lidar-derived Canopy Height and Fractional Cover in Forested Riparian Buffers During Leaf-Off and Leaf-On Conditions</a:t>
+              <a:t>Influence of Vegetation Structure on Lidar-derived Canopy Height and Fractional Cover in Forested Riparian Buffers During Leaf-Off and Leaf-On Conditions / Quantifying land use effects on forested riparian buffer vegetation structure using LiDAR data</a:t>
             </a:r>
           </a:p>
           <a:p>
@@ -3456,7 +3465,7 @@
             </a:r>
             <a:r>
               <a:rPr lang="en-US" i="1" dirty="0"/>
-              <a:t>, Day and Taylor, 2013</a:t>
+              <a:t>, Day and Taylor, 2013 / 2015</a:t>
             </a:r>
           </a:p>
           <a:p>
@@ -3473,7 +3482,15 @@
             </a:r>
             <a:r>
               <a:rPr lang="en-US" i="1" dirty="0"/>
-              <a:t>, Cooke, Axe and Comnick,2017</a:t>
+              <a:t>, Cooke, Axe and </a:t>
+            </a:r>
+            <a:r>
+              <a:rPr lang="en-US" i="1" dirty="0" err="1"/>
+              <a:t>Comnick</a:t>
+            </a:r>
+            <a:r>
+              <a:rPr lang="en-US" i="1" dirty="0"/>
+              <a:t>, 2017</a:t>
             </a:r>
           </a:p>
           <a:p>
@@ -3597,6 +3614,35 @@
             <a:r>
               <a:rPr lang="en-US" i="1" dirty="0"/>
               <a:t>, Hubert-Moy and Dufour, 2019</a:t>
+            </a:r>
+          </a:p>
+          <a:p>
+            <a:r>
+              <a:rPr lang="en-US" dirty="0"/>
+              <a:t>Automated Individual Tree Measurement Through Morphological Analysis of a LIDAR-Based Canopy Surface Model</a:t>
+            </a:r>
+          </a:p>
+          <a:p>
+            <a:pPr lvl="1"/>
+            <a:r>
+              <a:rPr lang="en-US" i="1" dirty="0"/>
+              <a:t>Andersen, </a:t>
+            </a:r>
+            <a:r>
+              <a:rPr lang="en-US" i="1" dirty="0" err="1"/>
+              <a:t>Reutebuch</a:t>
+            </a:r>
+            <a:r>
+              <a:rPr lang="en-US" i="1" dirty="0"/>
+              <a:t> and </a:t>
+            </a:r>
+            <a:r>
+              <a:rPr lang="en-US" i="1" dirty="0" err="1"/>
+              <a:t>Scheruder</a:t>
+            </a:r>
+            <a:r>
+              <a:rPr lang="en-US" i="1" dirty="0"/>
+              <a:t>, 2001, presented at The Proceedings of the First International Precision Forestry Cooperative Symposium</a:t>
             </a:r>
           </a:p>
           <a:p>
@@ -3691,6 +3737,571 @@
     <p:extLst>
       <p:ext uri="{BB962C8B-B14F-4D97-AF65-F5344CB8AC3E}">
         <p14:creationId xmlns:p14="http://schemas.microsoft.com/office/powerpoint/2010/main" val="4010782216"/>
+      </p:ext>
+    </p:extLst>
+  </p:cSld>
+  <p:clrMapOvr>
+    <a:masterClrMapping/>
+  </p:clrMapOvr>
+</p:sld>
+</file>
+
+<file path=ppt/slides/slide4.xml><?xml version="1.0" encoding="utf-8"?>
+<p:sld xmlns:a="http://schemas.openxmlformats.org/drawingml/2006/main" xmlns:r="http://schemas.openxmlformats.org/officeDocument/2006/relationships" xmlns:p="http://schemas.openxmlformats.org/presentationml/2006/main">
+  <p:cSld>
+    <p:spTree>
+      <p:nvGrpSpPr>
+        <p:cNvPr id="1" name=""/>
+        <p:cNvGrpSpPr/>
+        <p:nvPr/>
+      </p:nvGrpSpPr>
+      <p:grpSpPr>
+        <a:xfrm>
+          <a:off x="0" y="0"/>
+          <a:ext cx="0" cy="0"/>
+          <a:chOff x="0" y="0"/>
+          <a:chExt cx="0" cy="0"/>
+        </a:xfrm>
+      </p:grpSpPr>
+      <p:sp>
+        <p:nvSpPr>
+          <p:cNvPr id="2" name="Title 1">
+            <a:extLst>
+              <a:ext uri="{FF2B5EF4-FFF2-40B4-BE49-F238E27FC236}">
+                <a16:creationId xmlns:a16="http://schemas.microsoft.com/office/drawing/2014/main" id="{42155F83-1944-4C38-9BC9-C952334677FD}"/>
+              </a:ext>
+            </a:extLst>
+          </p:cNvPr>
+          <p:cNvSpPr>
+            <a:spLocks noGrp="1"/>
+          </p:cNvSpPr>
+          <p:nvPr>
+            <p:ph type="title"/>
+          </p:nvPr>
+        </p:nvSpPr>
+        <p:spPr/>
+        <p:txBody>
+          <a:bodyPr>
+            <a:normAutofit/>
+          </a:bodyPr>
+          <a:lstStyle/>
+          <a:p>
+            <a:r>
+              <a:rPr lang="en-US" sz="1500" b="1" dirty="0"/>
+              <a:t>Influence of Vegetation Structure on Lidar-derived Canopy Height and Fractional Cover in Forested Riparian Buffers During Leaf-Off and Leaf-On Conditions / Quantifying land use effects on forested riparian buffer vegetation structure using LiDAR data</a:t>
+            </a:r>
+            <a:br>
+              <a:rPr lang="en-US" sz="1500" dirty="0"/>
+            </a:br>
+            <a:r>
+              <a:rPr lang="en-US" sz="1500" dirty="0"/>
+              <a:t>Wasser, </a:t>
+            </a:r>
+            <a:r>
+              <a:rPr lang="en-US" sz="1500" dirty="0" err="1"/>
+              <a:t>Chasmer</a:t>
+            </a:r>
+            <a:r>
+              <a:rPr lang="en-US" sz="1500" dirty="0"/>
+              <a:t>, Day and Taylor, 2013 / 2015, PLOS One / Ecosphere</a:t>
+            </a:r>
+          </a:p>
+        </p:txBody>
+      </p:sp>
+      <p:sp>
+        <p:nvSpPr>
+          <p:cNvPr id="3" name="Content Placeholder 2">
+            <a:extLst>
+              <a:ext uri="{FF2B5EF4-FFF2-40B4-BE49-F238E27FC236}">
+                <a16:creationId xmlns:a16="http://schemas.microsoft.com/office/drawing/2014/main" id="{5ED6D26C-8475-4576-9BFD-9EAF33D167E6}"/>
+              </a:ext>
+            </a:extLst>
+          </p:cNvPr>
+          <p:cNvSpPr>
+            <a:spLocks noGrp="1"/>
+          </p:cNvSpPr>
+          <p:nvPr>
+            <p:ph idx="1"/>
+          </p:nvPr>
+        </p:nvSpPr>
+        <p:spPr/>
+        <p:txBody>
+          <a:bodyPr/>
+          <a:lstStyle/>
+          <a:p>
+            <a:r>
+              <a:rPr lang="en-US" dirty="0"/>
+              <a:t>175 </a:t>
+            </a:r>
+            <a:r>
+              <a:rPr lang="en-US" dirty="0" err="1"/>
+              <a:t>sq</a:t>
+            </a:r>
+            <a:r>
+              <a:rPr lang="en-US" dirty="0"/>
+              <a:t> mi watershed in central PA</a:t>
+            </a:r>
+          </a:p>
+          <a:p>
+            <a:r>
+              <a:rPr lang="en-US" dirty="0"/>
+              <a:t>Used 80 circular plots (r=11.3m) to validate veg. estimates</a:t>
+            </a:r>
+          </a:p>
+          <a:p>
+            <a:r>
+              <a:rPr lang="en-US" dirty="0"/>
+              <a:t>Looking specifically to estimate fractional canopy cover</a:t>
+            </a:r>
+          </a:p>
+          <a:p>
+            <a:r>
+              <a:rPr lang="en-US" dirty="0">
+                <a:solidFill>
+                  <a:srgbClr val="FF0000"/>
+                </a:solidFill>
+              </a:rPr>
+              <a:t>Favored “vertical height percentiles” over gridded canopy height models for constructing canopy height</a:t>
+            </a:r>
+          </a:p>
+          <a:p>
+            <a:r>
+              <a:rPr lang="en-US" dirty="0">
+                <a:solidFill>
+                  <a:srgbClr val="FF0000"/>
+                </a:solidFill>
+              </a:rPr>
+              <a:t>Used an automated method to determine buffer width</a:t>
+            </a:r>
+          </a:p>
+        </p:txBody>
+      </p:sp>
+    </p:spTree>
+    <p:extLst>
+      <p:ext uri="{BB962C8B-B14F-4D97-AF65-F5344CB8AC3E}">
+        <p14:creationId xmlns:p14="http://schemas.microsoft.com/office/powerpoint/2010/main" val="1255944118"/>
+      </p:ext>
+    </p:extLst>
+  </p:cSld>
+  <p:clrMapOvr>
+    <a:masterClrMapping/>
+  </p:clrMapOvr>
+</p:sld>
+</file>
+
+<file path=ppt/slides/slide5.xml><?xml version="1.0" encoding="utf-8"?>
+<p:sld xmlns:a="http://schemas.openxmlformats.org/drawingml/2006/main" xmlns:r="http://schemas.openxmlformats.org/officeDocument/2006/relationships" xmlns:p="http://schemas.openxmlformats.org/presentationml/2006/main">
+  <p:cSld>
+    <p:spTree>
+      <p:nvGrpSpPr>
+        <p:cNvPr id="1" name=""/>
+        <p:cNvGrpSpPr/>
+        <p:nvPr/>
+      </p:nvGrpSpPr>
+      <p:grpSpPr>
+        <a:xfrm>
+          <a:off x="0" y="0"/>
+          <a:ext cx="0" cy="0"/>
+          <a:chOff x="0" y="0"/>
+          <a:chExt cx="0" cy="0"/>
+        </a:xfrm>
+      </p:grpSpPr>
+      <p:sp>
+        <p:nvSpPr>
+          <p:cNvPr id="2" name="Title 1">
+            <a:extLst>
+              <a:ext uri="{FF2B5EF4-FFF2-40B4-BE49-F238E27FC236}">
+                <a16:creationId xmlns:a16="http://schemas.microsoft.com/office/drawing/2014/main" id="{F93264C7-34C1-4D32-9543-2D10409D70C5}"/>
+              </a:ext>
+            </a:extLst>
+          </p:cNvPr>
+          <p:cNvSpPr>
+            <a:spLocks noGrp="1"/>
+          </p:cNvSpPr>
+          <p:nvPr>
+            <p:ph type="title"/>
+          </p:nvPr>
+        </p:nvSpPr>
+        <p:spPr/>
+        <p:txBody>
+          <a:bodyPr>
+            <a:normAutofit/>
+          </a:bodyPr>
+          <a:lstStyle/>
+          <a:p>
+            <a:r>
+              <a:rPr lang="en-US" sz="1500" b="1" dirty="0"/>
+              <a:t>Extensive Riparian Vegetation Monitoring – Remote Sensing Pilot Study</a:t>
+            </a:r>
+            <a:br>
+              <a:rPr lang="en-US" sz="1500" dirty="0"/>
+            </a:br>
+            <a:r>
+              <a:rPr lang="en-US" sz="1500" dirty="0" err="1"/>
+              <a:t>Moskal</a:t>
+            </a:r>
+            <a:r>
+              <a:rPr lang="en-US" sz="1500" dirty="0"/>
+              <a:t>, Cooke, Axe and </a:t>
+            </a:r>
+            <a:r>
+              <a:rPr lang="en-US" sz="1500" dirty="0" err="1"/>
+              <a:t>Comnick</a:t>
+            </a:r>
+            <a:r>
+              <a:rPr lang="en-US" sz="1500" dirty="0"/>
+              <a:t>, 2017, Produced for WA DENR?</a:t>
+            </a:r>
+            <a:br>
+              <a:rPr lang="en-US" sz="1500" dirty="0"/>
+            </a:br>
+            <a:endParaRPr lang="en-US" sz="1500" dirty="0"/>
+          </a:p>
+        </p:txBody>
+      </p:sp>
+      <p:sp>
+        <p:nvSpPr>
+          <p:cNvPr id="3" name="Content Placeholder 2">
+            <a:extLst>
+              <a:ext uri="{FF2B5EF4-FFF2-40B4-BE49-F238E27FC236}">
+                <a16:creationId xmlns:a16="http://schemas.microsoft.com/office/drawing/2014/main" id="{4C63DB12-F6CF-49E8-83A9-7CC2E5499DD8}"/>
+              </a:ext>
+            </a:extLst>
+          </p:cNvPr>
+          <p:cNvSpPr>
+            <a:spLocks noGrp="1"/>
+          </p:cNvSpPr>
+          <p:nvPr>
+            <p:ph idx="1"/>
+          </p:nvPr>
+        </p:nvSpPr>
+        <p:spPr/>
+        <p:txBody>
+          <a:bodyPr/>
+          <a:lstStyle/>
+          <a:p>
+            <a:r>
+              <a:rPr lang="en-US" dirty="0"/>
+              <a:t>Propose methods for using LiDAR to assess:</a:t>
+            </a:r>
+          </a:p>
+          <a:p>
+            <a:pPr lvl="1"/>
+            <a:r>
+              <a:rPr lang="en-US" dirty="0"/>
+              <a:t>Canopy Height (well studied)</a:t>
+            </a:r>
+          </a:p>
+          <a:p>
+            <a:pPr lvl="1"/>
+            <a:r>
+              <a:rPr lang="en-US" dirty="0">
+                <a:solidFill>
+                  <a:srgbClr val="FF0000"/>
+                </a:solidFill>
+              </a:rPr>
+              <a:t>Canopy Percent Cover (well studied)</a:t>
+            </a:r>
+          </a:p>
+          <a:p>
+            <a:pPr lvl="1"/>
+            <a:r>
+              <a:rPr lang="en-US" dirty="0">
+                <a:solidFill>
+                  <a:srgbClr val="FF0000"/>
+                </a:solidFill>
+              </a:rPr>
+              <a:t>Stand Density (worked well)</a:t>
+            </a:r>
+          </a:p>
+          <a:p>
+            <a:pPr lvl="1"/>
+            <a:r>
+              <a:rPr lang="en-US" dirty="0"/>
+              <a:t>Conifer/Deciduous Classification (did not work well)</a:t>
+            </a:r>
+          </a:p>
+          <a:p>
+            <a:pPr lvl="1"/>
+            <a:r>
+              <a:rPr lang="en-US" dirty="0">
+                <a:solidFill>
+                  <a:srgbClr val="FF0000"/>
+                </a:solidFill>
+              </a:rPr>
+              <a:t>Vegetation Class/Seral Stage (unknown how accurate)</a:t>
+            </a:r>
+          </a:p>
+          <a:p>
+            <a:pPr lvl="1"/>
+            <a:r>
+              <a:rPr lang="en-US" dirty="0"/>
+              <a:t>Species ID (assumed to be near-impossible)</a:t>
+            </a:r>
+          </a:p>
+        </p:txBody>
+      </p:sp>
+    </p:spTree>
+    <p:extLst>
+      <p:ext uri="{BB962C8B-B14F-4D97-AF65-F5344CB8AC3E}">
+        <p14:creationId xmlns:p14="http://schemas.microsoft.com/office/powerpoint/2010/main" val="1856815029"/>
+      </p:ext>
+    </p:extLst>
+  </p:cSld>
+  <p:clrMapOvr>
+    <a:masterClrMapping/>
+  </p:clrMapOvr>
+</p:sld>
+</file>
+
+<file path=ppt/slides/slide6.xml><?xml version="1.0" encoding="utf-8"?>
+<p:sld xmlns:a="http://schemas.openxmlformats.org/drawingml/2006/main" xmlns:r="http://schemas.openxmlformats.org/officeDocument/2006/relationships" xmlns:p="http://schemas.openxmlformats.org/presentationml/2006/main">
+  <p:cSld>
+    <p:spTree>
+      <p:nvGrpSpPr>
+        <p:cNvPr id="1" name=""/>
+        <p:cNvGrpSpPr/>
+        <p:nvPr/>
+      </p:nvGrpSpPr>
+      <p:grpSpPr>
+        <a:xfrm>
+          <a:off x="0" y="0"/>
+          <a:ext cx="0" cy="0"/>
+          <a:chOff x="0" y="0"/>
+          <a:chExt cx="0" cy="0"/>
+        </a:xfrm>
+      </p:grpSpPr>
+      <p:sp>
+        <p:nvSpPr>
+          <p:cNvPr id="2" name="Title 1">
+            <a:extLst>
+              <a:ext uri="{FF2B5EF4-FFF2-40B4-BE49-F238E27FC236}">
+                <a16:creationId xmlns:a16="http://schemas.microsoft.com/office/drawing/2014/main" id="{65982BC7-FD8E-4DEA-91CF-C10C5ACD73A6}"/>
+              </a:ext>
+            </a:extLst>
+          </p:cNvPr>
+          <p:cNvSpPr>
+            <a:spLocks noGrp="1"/>
+          </p:cNvSpPr>
+          <p:nvPr>
+            <p:ph type="title"/>
+          </p:nvPr>
+        </p:nvSpPr>
+        <p:spPr/>
+        <p:txBody>
+          <a:bodyPr>
+            <a:normAutofit/>
+          </a:bodyPr>
+          <a:lstStyle/>
+          <a:p>
+            <a:r>
+              <a:rPr lang="en-US" sz="1500" b="1" dirty="0"/>
+              <a:t>LiDAR measurement of sagebrush steppe vegetation heights</a:t>
+            </a:r>
+            <a:br>
+              <a:rPr lang="en-US" sz="1500" b="1" dirty="0"/>
+            </a:br>
+            <a:r>
+              <a:rPr lang="en-US" sz="1500" dirty="0" err="1"/>
+              <a:t>Struetker</a:t>
+            </a:r>
+            <a:r>
+              <a:rPr lang="en-US" sz="1500" dirty="0"/>
+              <a:t> and Glenn, 2006, Remote Sensing of Environment</a:t>
+            </a:r>
+            <a:endParaRPr lang="en-US" sz="1500" b="1" dirty="0"/>
+          </a:p>
+        </p:txBody>
+      </p:sp>
+      <p:sp>
+        <p:nvSpPr>
+          <p:cNvPr id="3" name="Content Placeholder 2">
+            <a:extLst>
+              <a:ext uri="{FF2B5EF4-FFF2-40B4-BE49-F238E27FC236}">
+                <a16:creationId xmlns:a16="http://schemas.microsoft.com/office/drawing/2014/main" id="{46535A28-FC4C-49F1-91E9-814C19B38204}"/>
+              </a:ext>
+            </a:extLst>
+          </p:cNvPr>
+          <p:cNvSpPr>
+            <a:spLocks noGrp="1"/>
+          </p:cNvSpPr>
+          <p:nvPr>
+            <p:ph idx="1"/>
+          </p:nvPr>
+        </p:nvSpPr>
+        <p:spPr/>
+        <p:txBody>
+          <a:bodyPr/>
+          <a:lstStyle/>
+          <a:p>
+            <a:r>
+              <a:rPr lang="en-US" dirty="0"/>
+              <a:t>Used surface roughness of DHMs to differentiate burned from unburned vegetation</a:t>
+            </a:r>
+          </a:p>
+        </p:txBody>
+      </p:sp>
+    </p:spTree>
+    <p:extLst>
+      <p:ext uri="{BB962C8B-B14F-4D97-AF65-F5344CB8AC3E}">
+        <p14:creationId xmlns:p14="http://schemas.microsoft.com/office/powerpoint/2010/main" val="1716097437"/>
+      </p:ext>
+    </p:extLst>
+  </p:cSld>
+  <p:clrMapOvr>
+    <a:masterClrMapping/>
+  </p:clrMapOvr>
+</p:sld>
+</file>
+
+<file path=ppt/slides/slide7.xml><?xml version="1.0" encoding="utf-8"?>
+<p:sld xmlns:a="http://schemas.openxmlformats.org/drawingml/2006/main" xmlns:r="http://schemas.openxmlformats.org/officeDocument/2006/relationships" xmlns:p="http://schemas.openxmlformats.org/presentationml/2006/main">
+  <p:cSld>
+    <p:spTree>
+      <p:nvGrpSpPr>
+        <p:cNvPr id="1" name=""/>
+        <p:cNvGrpSpPr/>
+        <p:nvPr/>
+      </p:nvGrpSpPr>
+      <p:grpSpPr>
+        <a:xfrm>
+          <a:off x="0" y="0"/>
+          <a:ext cx="0" cy="0"/>
+          <a:chOff x="0" y="0"/>
+          <a:chExt cx="0" cy="0"/>
+        </a:xfrm>
+      </p:grpSpPr>
+      <p:sp>
+        <p:nvSpPr>
+          <p:cNvPr id="2" name="Title 1">
+            <a:extLst>
+              <a:ext uri="{FF2B5EF4-FFF2-40B4-BE49-F238E27FC236}">
+                <a16:creationId xmlns:a16="http://schemas.microsoft.com/office/drawing/2014/main" id="{A9D45AA9-444D-440F-BAEF-AFA74FAA4BD4}"/>
+              </a:ext>
+            </a:extLst>
+          </p:cNvPr>
+          <p:cNvSpPr>
+            <a:spLocks noGrp="1"/>
+          </p:cNvSpPr>
+          <p:nvPr>
+            <p:ph type="title"/>
+          </p:nvPr>
+        </p:nvSpPr>
+        <p:spPr/>
+        <p:txBody>
+          <a:bodyPr>
+            <a:normAutofit/>
+          </a:bodyPr>
+          <a:lstStyle/>
+          <a:p>
+            <a:r>
+              <a:rPr lang="en-US" sz="1500" b="1" dirty="0"/>
+              <a:t>Integrating LIDAR data and multispectral imagery for enhanced classification of rangeland vegetation: A meta analysis</a:t>
+            </a:r>
+            <a:br>
+              <a:rPr lang="en-US" sz="1500" b="1" dirty="0"/>
+            </a:br>
+            <a:r>
+              <a:rPr lang="en-US" sz="1500" dirty="0"/>
+              <a:t>Bork and </a:t>
+            </a:r>
+            <a:r>
+              <a:rPr lang="en-US" sz="1500" dirty="0" err="1"/>
+              <a:t>Su</a:t>
+            </a:r>
+            <a:r>
+              <a:rPr lang="en-US" sz="1500" dirty="0"/>
+              <a:t>, 2007, Remote Sensing of Environment</a:t>
+            </a:r>
+          </a:p>
+        </p:txBody>
+      </p:sp>
+      <p:sp>
+        <p:nvSpPr>
+          <p:cNvPr id="3" name="Content Placeholder 2">
+            <a:extLst>
+              <a:ext uri="{FF2B5EF4-FFF2-40B4-BE49-F238E27FC236}">
+                <a16:creationId xmlns:a16="http://schemas.microsoft.com/office/drawing/2014/main" id="{CBE26FC0-E2DF-433F-BC2A-CC04520EBCDD}"/>
+              </a:ext>
+            </a:extLst>
+          </p:cNvPr>
+          <p:cNvSpPr>
+            <a:spLocks noGrp="1"/>
+          </p:cNvSpPr>
+          <p:nvPr>
+            <p:ph idx="1"/>
+          </p:nvPr>
+        </p:nvSpPr>
+        <p:spPr/>
+        <p:txBody>
+          <a:bodyPr/>
+          <a:lstStyle/>
+          <a:p>
+            <a:r>
+              <a:rPr lang="en-US" dirty="0"/>
+              <a:t>Aspen Parkland of western Canada</a:t>
+            </a:r>
+          </a:p>
+          <a:p>
+            <a:r>
+              <a:rPr lang="en-US" dirty="0"/>
+              <a:t>Used LiDAR collected w/ simultaneous RGB imagery</a:t>
+            </a:r>
+          </a:p>
+          <a:p>
+            <a:r>
+              <a:rPr lang="en-US" dirty="0"/>
+              <a:t>Tried classifying imagery using 3 or 8 classes</a:t>
+            </a:r>
+          </a:p>
+          <a:p>
+            <a:pPr lvl="1"/>
+            <a:r>
+              <a:rPr lang="en-US" dirty="0"/>
+              <a:t>Imagery alone: 75% / 59% accuracy</a:t>
+            </a:r>
+          </a:p>
+          <a:p>
+            <a:pPr lvl="1"/>
+            <a:r>
+              <a:rPr lang="en-US" dirty="0"/>
+              <a:t>LiDAR alone: 65% / 52% accuracy</a:t>
+            </a:r>
+          </a:p>
+          <a:p>
+            <a:pPr lvl="1"/>
+            <a:r>
+              <a:rPr lang="en-US" dirty="0"/>
+              <a:t>Combined: 91% / 80% accuracy</a:t>
+            </a:r>
+          </a:p>
+          <a:p>
+            <a:r>
+              <a:rPr lang="en-US" dirty="0">
+                <a:solidFill>
+                  <a:srgbClr val="FF0000"/>
+                </a:solidFill>
+              </a:rPr>
+              <a:t>Model appears to be very specialized for study area</a:t>
+            </a:r>
+          </a:p>
+          <a:p>
+            <a:pPr lvl="1"/>
+            <a:r>
+              <a:rPr lang="en-US" dirty="0">
+                <a:solidFill>
+                  <a:srgbClr val="FF0000"/>
+                </a:solidFill>
+              </a:rPr>
+              <a:t>A lot of human model input that would need to be changed for different study areas</a:t>
+            </a:r>
+          </a:p>
+        </p:txBody>
+      </p:sp>
+    </p:spTree>
+    <p:extLst>
+      <p:ext uri="{BB962C8B-B14F-4D97-AF65-F5344CB8AC3E}">
+        <p14:creationId xmlns:p14="http://schemas.microsoft.com/office/powerpoint/2010/main" val="1748206575"/>
       </p:ext>
     </p:extLst>
   </p:cSld>

--- a/writing/veglidar_litreview.pptx
+++ b/writing/veglidar_litreview.pptx
@@ -7,11 +7,16 @@
   <p:sldIdLst>
     <p:sldId id="256" r:id="rId2"/>
     <p:sldId id="257" r:id="rId3"/>
-    <p:sldId id="258" r:id="rId4"/>
-    <p:sldId id="259" r:id="rId5"/>
-    <p:sldId id="260" r:id="rId6"/>
-    <p:sldId id="261" r:id="rId7"/>
-    <p:sldId id="262" r:id="rId8"/>
+    <p:sldId id="259" r:id="rId4"/>
+    <p:sldId id="260" r:id="rId5"/>
+    <p:sldId id="261" r:id="rId6"/>
+    <p:sldId id="262" r:id="rId7"/>
+    <p:sldId id="263" r:id="rId8"/>
+    <p:sldId id="264" r:id="rId9"/>
+    <p:sldId id="266" r:id="rId10"/>
+    <p:sldId id="267" r:id="rId11"/>
+    <p:sldId id="258" r:id="rId12"/>
+    <p:sldId id="268" r:id="rId13"/>
   </p:sldIdLst>
   <p:sldSz cx="12192000" cy="6858000"/>
   <p:notesSz cx="6858000" cy="9144000"/>
@@ -3380,6 +3385,379 @@
 </p:sld>
 </file>
 
+<file path=ppt/slides/slide10.xml><?xml version="1.0" encoding="utf-8"?>
+<p:sld xmlns:a="http://schemas.openxmlformats.org/drawingml/2006/main" xmlns:r="http://schemas.openxmlformats.org/officeDocument/2006/relationships" xmlns:p="http://schemas.openxmlformats.org/presentationml/2006/main">
+  <p:cSld>
+    <p:spTree>
+      <p:nvGrpSpPr>
+        <p:cNvPr id="1" name=""/>
+        <p:cNvGrpSpPr/>
+        <p:nvPr/>
+      </p:nvGrpSpPr>
+      <p:grpSpPr>
+        <a:xfrm>
+          <a:off x="0" y="0"/>
+          <a:ext cx="0" cy="0"/>
+          <a:chOff x="0" y="0"/>
+          <a:chExt cx="0" cy="0"/>
+        </a:xfrm>
+      </p:grpSpPr>
+      <p:sp>
+        <p:nvSpPr>
+          <p:cNvPr id="2" name="Title 1">
+            <a:extLst>
+              <a:ext uri="{FF2B5EF4-FFF2-40B4-BE49-F238E27FC236}">
+                <a16:creationId xmlns:a16="http://schemas.microsoft.com/office/drawing/2014/main" id="{9F3BDC8A-EF4F-4D72-B9DC-0EE2E4CA331A}"/>
+              </a:ext>
+            </a:extLst>
+          </p:cNvPr>
+          <p:cNvSpPr>
+            <a:spLocks noGrp="1"/>
+          </p:cNvSpPr>
+          <p:nvPr>
+            <p:ph type="title"/>
+          </p:nvPr>
+        </p:nvSpPr>
+        <p:spPr/>
+        <p:txBody>
+          <a:bodyPr>
+            <a:normAutofit/>
+          </a:bodyPr>
+          <a:lstStyle/>
+          <a:p>
+            <a:r>
+              <a:rPr lang="en-US" sz="1500" b="1" dirty="0"/>
+              <a:t>Automated Individual Tree Measurement Through Morphological Analysis of a LIDAR-Based Canopy Surface Model</a:t>
+            </a:r>
+            <a:br>
+              <a:rPr lang="en-US" sz="1500" b="1" dirty="0"/>
+            </a:br>
+            <a:r>
+              <a:rPr lang="en-US" sz="1500" dirty="0"/>
+              <a:t>Andersen, </a:t>
+            </a:r>
+            <a:r>
+              <a:rPr lang="en-US" sz="1500" dirty="0" err="1"/>
+              <a:t>Reutebuch</a:t>
+            </a:r>
+            <a:r>
+              <a:rPr lang="en-US" sz="1500" dirty="0"/>
+              <a:t> and </a:t>
+            </a:r>
+            <a:r>
+              <a:rPr lang="en-US" sz="1500" dirty="0" err="1"/>
+              <a:t>Scheruder</a:t>
+            </a:r>
+            <a:r>
+              <a:rPr lang="en-US" sz="1500" dirty="0"/>
+              <a:t>, 2001, presented at The Proceedings of the First International Precision Forestry Cooperative Symposium</a:t>
+            </a:r>
+          </a:p>
+        </p:txBody>
+      </p:sp>
+      <p:sp>
+        <p:nvSpPr>
+          <p:cNvPr id="3" name="Content Placeholder 2">
+            <a:extLst>
+              <a:ext uri="{FF2B5EF4-FFF2-40B4-BE49-F238E27FC236}">
+                <a16:creationId xmlns:a16="http://schemas.microsoft.com/office/drawing/2014/main" id="{BC303098-1BD5-417A-B1F2-2C95D45A76CA}"/>
+              </a:ext>
+            </a:extLst>
+          </p:cNvPr>
+          <p:cNvSpPr>
+            <a:spLocks noGrp="1"/>
+          </p:cNvSpPr>
+          <p:nvPr>
+            <p:ph idx="1"/>
+          </p:nvPr>
+        </p:nvSpPr>
+        <p:spPr/>
+        <p:txBody>
+          <a:bodyPr/>
+          <a:lstStyle/>
+          <a:p>
+            <a:r>
+              <a:rPr lang="en-US" dirty="0"/>
+              <a:t>An interesting discussion of mathematical morphology and image processing as it related to canopy analysis</a:t>
+            </a:r>
+          </a:p>
+          <a:p>
+            <a:r>
+              <a:rPr lang="en-US" dirty="0">
+                <a:solidFill>
+                  <a:srgbClr val="FF0000"/>
+                </a:solidFill>
+              </a:rPr>
+              <a:t>Can use morphological transformations to measure individual trees using LiDAR</a:t>
+            </a:r>
+          </a:p>
+        </p:txBody>
+      </p:sp>
+    </p:spTree>
+    <p:extLst>
+      <p:ext uri="{BB962C8B-B14F-4D97-AF65-F5344CB8AC3E}">
+        <p14:creationId xmlns:p14="http://schemas.microsoft.com/office/powerpoint/2010/main" val="892044306"/>
+      </p:ext>
+    </p:extLst>
+  </p:cSld>
+  <p:clrMapOvr>
+    <a:masterClrMapping/>
+  </p:clrMapOvr>
+</p:sld>
+</file>
+
+<file path=ppt/slides/slide11.xml><?xml version="1.0" encoding="utf-8"?>
+<p:sld xmlns:a="http://schemas.openxmlformats.org/drawingml/2006/main" xmlns:r="http://schemas.openxmlformats.org/officeDocument/2006/relationships" xmlns:p="http://schemas.openxmlformats.org/presentationml/2006/main">
+  <p:cSld>
+    <p:spTree>
+      <p:nvGrpSpPr>
+        <p:cNvPr id="1" name=""/>
+        <p:cNvGrpSpPr/>
+        <p:nvPr/>
+      </p:nvGrpSpPr>
+      <p:grpSpPr>
+        <a:xfrm>
+          <a:off x="0" y="0"/>
+          <a:ext cx="0" cy="0"/>
+          <a:chOff x="0" y="0"/>
+          <a:chExt cx="0" cy="0"/>
+        </a:xfrm>
+      </p:grpSpPr>
+      <p:sp>
+        <p:nvSpPr>
+          <p:cNvPr id="2" name="Title 1">
+            <a:extLst>
+              <a:ext uri="{FF2B5EF4-FFF2-40B4-BE49-F238E27FC236}">
+                <a16:creationId xmlns:a16="http://schemas.microsoft.com/office/drawing/2014/main" id="{5A5A76EB-B2DC-44E6-A100-555E7AC77A43}"/>
+              </a:ext>
+            </a:extLst>
+          </p:cNvPr>
+          <p:cNvSpPr>
+            <a:spLocks noGrp="1"/>
+          </p:cNvSpPr>
+          <p:nvPr>
+            <p:ph type="title"/>
+          </p:nvPr>
+        </p:nvSpPr>
+        <p:spPr/>
+        <p:txBody>
+          <a:bodyPr/>
+          <a:lstStyle/>
+          <a:p>
+            <a:r>
+              <a:rPr lang="en-US" dirty="0"/>
+              <a:t>Synopsis</a:t>
+            </a:r>
+          </a:p>
+        </p:txBody>
+      </p:sp>
+      <p:sp>
+        <p:nvSpPr>
+          <p:cNvPr id="3" name="Content Placeholder 2">
+            <a:extLst>
+              <a:ext uri="{FF2B5EF4-FFF2-40B4-BE49-F238E27FC236}">
+                <a16:creationId xmlns:a16="http://schemas.microsoft.com/office/drawing/2014/main" id="{0A7EFD68-5648-4BBB-A77A-5D9CBCC64274}"/>
+              </a:ext>
+            </a:extLst>
+          </p:cNvPr>
+          <p:cNvSpPr>
+            <a:spLocks noGrp="1"/>
+          </p:cNvSpPr>
+          <p:nvPr>
+            <p:ph idx="1"/>
+          </p:nvPr>
+        </p:nvSpPr>
+        <p:spPr/>
+        <p:txBody>
+          <a:bodyPr/>
+          <a:lstStyle/>
+          <a:p>
+            <a:r>
+              <a:rPr lang="en-US" dirty="0"/>
+              <a:t>Attempts have been made to evaluate vegetation cover type</a:t>
+            </a:r>
+          </a:p>
+          <a:p>
+            <a:r>
+              <a:rPr lang="en-US" dirty="0"/>
+              <a:t>Generalizable models seem understudied</a:t>
+            </a:r>
+          </a:p>
+          <a:p>
+            <a:pPr lvl="1"/>
+            <a:r>
+              <a:rPr lang="en-US" dirty="0"/>
+              <a:t>Detailed canopy classification models either use hand-picked classification parameters that seem unlikely to generalize to other study areas, or use supervised ML algorithms that need to be trained</a:t>
+            </a:r>
+          </a:p>
+          <a:p>
+            <a:pPr lvl="1"/>
+            <a:r>
+              <a:rPr lang="en-US" dirty="0"/>
+              <a:t>No models evaluated against dissimilar study areas</a:t>
+            </a:r>
+          </a:p>
+          <a:p>
+            <a:r>
+              <a:rPr lang="en-US" dirty="0"/>
+              <a:t>None of these papers have packaged their workflow into downloadable software/modules/etc.</a:t>
+            </a:r>
+          </a:p>
+          <a:p>
+            <a:r>
+              <a:rPr lang="en-US" dirty="0"/>
+              <a:t>LiDAR-only models that try to differentiate vegetation classes are low accuracy (~60%) even within the study area they were built for</a:t>
+            </a:r>
+          </a:p>
+          <a:p>
+            <a:pPr marL="0" indent="0">
+              <a:buNone/>
+            </a:pPr>
+            <a:endParaRPr lang="en-US" dirty="0"/>
+          </a:p>
+        </p:txBody>
+      </p:sp>
+    </p:spTree>
+    <p:extLst>
+      <p:ext uri="{BB962C8B-B14F-4D97-AF65-F5344CB8AC3E}">
+        <p14:creationId xmlns:p14="http://schemas.microsoft.com/office/powerpoint/2010/main" val="4010782216"/>
+      </p:ext>
+    </p:extLst>
+  </p:cSld>
+  <p:clrMapOvr>
+    <a:masterClrMapping/>
+  </p:clrMapOvr>
+</p:sld>
+</file>
+
+<file path=ppt/slides/slide12.xml><?xml version="1.0" encoding="utf-8"?>
+<p:sld xmlns:a="http://schemas.openxmlformats.org/drawingml/2006/main" xmlns:r="http://schemas.openxmlformats.org/officeDocument/2006/relationships" xmlns:p="http://schemas.openxmlformats.org/presentationml/2006/main">
+  <p:cSld>
+    <p:spTree>
+      <p:nvGrpSpPr>
+        <p:cNvPr id="1" name=""/>
+        <p:cNvGrpSpPr/>
+        <p:nvPr/>
+      </p:nvGrpSpPr>
+      <p:grpSpPr>
+        <a:xfrm>
+          <a:off x="0" y="0"/>
+          <a:ext cx="0" cy="0"/>
+          <a:chOff x="0" y="0"/>
+          <a:chExt cx="0" cy="0"/>
+        </a:xfrm>
+      </p:grpSpPr>
+      <p:sp>
+        <p:nvSpPr>
+          <p:cNvPr id="2" name="Title 1">
+            <a:extLst>
+              <a:ext uri="{FF2B5EF4-FFF2-40B4-BE49-F238E27FC236}">
+                <a16:creationId xmlns:a16="http://schemas.microsoft.com/office/drawing/2014/main" id="{69B56B71-56F4-4E4E-8744-191592F3AC42}"/>
+              </a:ext>
+            </a:extLst>
+          </p:cNvPr>
+          <p:cNvSpPr>
+            <a:spLocks noGrp="1"/>
+          </p:cNvSpPr>
+          <p:nvPr>
+            <p:ph type="title"/>
+          </p:nvPr>
+        </p:nvSpPr>
+        <p:spPr/>
+        <p:txBody>
+          <a:bodyPr/>
+          <a:lstStyle/>
+          <a:p>
+            <a:r>
+              <a:rPr lang="en-US" dirty="0"/>
+              <a:t>Going Forward</a:t>
+            </a:r>
+          </a:p>
+        </p:txBody>
+      </p:sp>
+      <p:sp>
+        <p:nvSpPr>
+          <p:cNvPr id="3" name="Content Placeholder 2">
+            <a:extLst>
+              <a:ext uri="{FF2B5EF4-FFF2-40B4-BE49-F238E27FC236}">
+                <a16:creationId xmlns:a16="http://schemas.microsoft.com/office/drawing/2014/main" id="{AC2A0873-D574-41C6-97D6-3777BE741C0E}"/>
+              </a:ext>
+            </a:extLst>
+          </p:cNvPr>
+          <p:cNvSpPr>
+            <a:spLocks noGrp="1"/>
+          </p:cNvSpPr>
+          <p:nvPr>
+            <p:ph idx="1"/>
+          </p:nvPr>
+        </p:nvSpPr>
+        <p:spPr/>
+        <p:txBody>
+          <a:bodyPr/>
+          <a:lstStyle/>
+          <a:p>
+            <a:r>
+              <a:rPr lang="en-US" dirty="0"/>
+              <a:t>A general model for riparian cover classification has not been published yet</a:t>
+            </a:r>
+          </a:p>
+          <a:p>
+            <a:pPr lvl="1"/>
+            <a:r>
+              <a:rPr lang="en-US" dirty="0"/>
+              <a:t>Could use several study areas to train and optimize a general model</a:t>
+            </a:r>
+          </a:p>
+          <a:p>
+            <a:pPr lvl="1"/>
+            <a:r>
+              <a:rPr lang="en-US" dirty="0"/>
+              <a:t>Model building could use supervised ML and optimization</a:t>
+            </a:r>
+          </a:p>
+          <a:p>
+            <a:pPr lvl="1"/>
+            <a:r>
+              <a:rPr lang="en-US" dirty="0"/>
+              <a:t>But final model shouldn’t use supervised ML (</a:t>
+            </a:r>
+            <a:r>
+              <a:rPr lang="en-US"/>
+              <a:t>could use raster </a:t>
+            </a:r>
+            <a:r>
+              <a:rPr lang="en-US" dirty="0"/>
+              <a:t>math, unsupervised ML)</a:t>
+            </a:r>
+          </a:p>
+          <a:p>
+            <a:r>
+              <a:rPr lang="en-US" dirty="0"/>
+              <a:t>This model could also be packaged for distribution (e.g., a Python package)</a:t>
+            </a:r>
+          </a:p>
+          <a:p>
+            <a:pPr lvl="1"/>
+            <a:r>
+              <a:rPr lang="en-US" dirty="0"/>
+              <a:t>Such a distribution could also incorporate ideas from other papers</a:t>
+            </a:r>
+          </a:p>
+        </p:txBody>
+      </p:sp>
+    </p:spTree>
+    <p:extLst>
+      <p:ext uri="{BB962C8B-B14F-4D97-AF65-F5344CB8AC3E}">
+        <p14:creationId xmlns:p14="http://schemas.microsoft.com/office/powerpoint/2010/main" val="3547710196"/>
+      </p:ext>
+    </p:extLst>
+  </p:cSld>
+  <p:clrMapOvr>
+    <a:masterClrMapping/>
+  </p:clrMapOvr>
+</p:sld>
+</file>
+
 <file path=ppt/slides/slide2.xml><?xml version="1.0" encoding="utf-8"?>
 <p:sld xmlns:a="http://schemas.openxmlformats.org/drawingml/2006/main" xmlns:r="http://schemas.openxmlformats.org/officeDocument/2006/relationships" xmlns:p="http://schemas.openxmlformats.org/presentationml/2006/main">
   <p:cSld>
@@ -3444,7 +3822,7 @@
         <p:spPr/>
         <p:txBody>
           <a:bodyPr>
-            <a:normAutofit fontScale="47500" lnSpcReduction="20000"/>
+            <a:normAutofit fontScale="55000" lnSpcReduction="20000"/>
           </a:bodyPr>
           <a:lstStyle/>
           <a:p>
@@ -3554,23 +3932,6 @@
             <a:r>
               <a:rPr lang="en-US" i="1" dirty="0"/>
               <a:t>, 2010</a:t>
-            </a:r>
-          </a:p>
-          <a:p>
-            <a:r>
-              <a:rPr lang="en-US" dirty="0"/>
-              <a:t>Estimation of canopy cover in dense mixed-species forests using airborne lidar data</a:t>
-            </a:r>
-          </a:p>
-          <a:p>
-            <a:pPr lvl="1"/>
-            <a:r>
-              <a:rPr lang="en-US" i="1" dirty="0" err="1"/>
-              <a:t>Arumae</a:t>
-            </a:r>
-            <a:r>
-              <a:rPr lang="en-US" i="1" dirty="0"/>
-              <a:t> and Lang, 2017</a:t>
             </a:r>
           </a:p>
           <a:p>
@@ -3685,7 +4046,7 @@
           <p:cNvPr id="2" name="Title 1">
             <a:extLst>
               <a:ext uri="{FF2B5EF4-FFF2-40B4-BE49-F238E27FC236}">
-                <a16:creationId xmlns:a16="http://schemas.microsoft.com/office/drawing/2014/main" id="{5A5A76EB-B2DC-44E6-A100-555E7AC77A43}"/>
+                <a16:creationId xmlns:a16="http://schemas.microsoft.com/office/drawing/2014/main" id="{42155F83-1944-4C38-9BC9-C952334677FD}"/>
               </a:ext>
             </a:extLst>
           </p:cNvPr>
@@ -3698,12 +4059,29 @@
         </p:nvSpPr>
         <p:spPr/>
         <p:txBody>
-          <a:bodyPr/>
-          <a:lstStyle/>
-          <a:p>
-            <a:r>
-              <a:rPr lang="en-US" dirty="0"/>
-              <a:t>Synopsis</a:t>
+          <a:bodyPr>
+            <a:normAutofit/>
+          </a:bodyPr>
+          <a:lstStyle/>
+          <a:p>
+            <a:r>
+              <a:rPr lang="en-US" sz="1500" b="1" dirty="0"/>
+              <a:t>Influence of Vegetation Structure on Lidar-derived Canopy Height and Fractional Cover in Forested Riparian Buffers During Leaf-Off and Leaf-On Conditions / Quantifying land use effects on forested riparian buffer vegetation structure using LiDAR data</a:t>
+            </a:r>
+            <a:br>
+              <a:rPr lang="en-US" sz="1500" dirty="0"/>
+            </a:br>
+            <a:r>
+              <a:rPr lang="en-US" sz="1500" dirty="0"/>
+              <a:t>Wasser, </a:t>
+            </a:r>
+            <a:r>
+              <a:rPr lang="en-US" sz="1500" dirty="0" err="1"/>
+              <a:t>Chasmer</a:t>
+            </a:r>
+            <a:r>
+              <a:rPr lang="en-US" sz="1500" dirty="0"/>
+              <a:t>, Day and Taylor, 2013 / 2015, PLOS One / Ecosphere</a:t>
             </a:r>
           </a:p>
         </p:txBody>
@@ -3713,7 +4091,7 @@
           <p:cNvPr id="3" name="Content Placeholder 2">
             <a:extLst>
               <a:ext uri="{FF2B5EF4-FFF2-40B4-BE49-F238E27FC236}">
-                <a16:creationId xmlns:a16="http://schemas.microsoft.com/office/drawing/2014/main" id="{0A7EFD68-5648-4BBB-A77A-5D9CBCC64274}"/>
+                <a16:creationId xmlns:a16="http://schemas.microsoft.com/office/drawing/2014/main" id="{5ED6D26C-8475-4576-9BFD-9EAF33D167E6}"/>
               </a:ext>
             </a:extLst>
           </p:cNvPr>
@@ -3729,14 +4107,57 @@
           <a:bodyPr/>
           <a:lstStyle/>
           <a:p>
-            <a:endParaRPr lang="en-US"/>
+            <a:r>
+              <a:rPr lang="en-US" dirty="0"/>
+              <a:t>175 </a:t>
+            </a:r>
+            <a:r>
+              <a:rPr lang="en-US" dirty="0" err="1"/>
+              <a:t>sq</a:t>
+            </a:r>
+            <a:r>
+              <a:rPr lang="en-US" dirty="0"/>
+              <a:t> mi watershed in central PA</a:t>
+            </a:r>
+          </a:p>
+          <a:p>
+            <a:r>
+              <a:rPr lang="en-US" dirty="0"/>
+              <a:t>Used 80 circular plots (r=11.3m) to validate veg. estimates</a:t>
+            </a:r>
+          </a:p>
+          <a:p>
+            <a:r>
+              <a:rPr lang="en-US" dirty="0"/>
+              <a:t>Looking specifically to estimate fractional canopy cover</a:t>
+            </a:r>
+          </a:p>
+          <a:p>
+            <a:r>
+              <a:rPr lang="en-US" dirty="0">
+                <a:solidFill>
+                  <a:srgbClr val="FF0000"/>
+                </a:solidFill>
+              </a:rPr>
+              <a:t>Favored “vertical height percentiles” over gridded canopy height models for constructing canopy height</a:t>
+            </a:r>
+          </a:p>
+          <a:p>
+            <a:r>
+              <a:rPr lang="en-US" dirty="0">
+                <a:solidFill>
+                  <a:srgbClr val="FF0000"/>
+                </a:solidFill>
+              </a:rPr>
+              <a:t>Used an automated method to determine buffer width</a:t>
+            </a:r>
           </a:p>
         </p:txBody>
       </p:sp>
     </p:spTree>
     <p:extLst>
       <p:ext uri="{BB962C8B-B14F-4D97-AF65-F5344CB8AC3E}">
-        <p14:creationId xmlns:p14="http://schemas.microsoft.com/office/powerpoint/2010/main" val="4010782216"/>
+        <p14:creationId xmlns:p14="http://schemas.microsoft.com/office/powerpoint/2010/main" val="1255944118"/>
       </p:ext>
     </p:extLst>
   </p:cSld>
@@ -3768,7 +4189,7 @@
           <p:cNvPr id="2" name="Title 1">
             <a:extLst>
               <a:ext uri="{FF2B5EF4-FFF2-40B4-BE49-F238E27FC236}">
-                <a16:creationId xmlns:a16="http://schemas.microsoft.com/office/drawing/2014/main" id="{42155F83-1944-4C38-9BC9-C952334677FD}"/>
+                <a16:creationId xmlns:a16="http://schemas.microsoft.com/office/drawing/2014/main" id="{F93264C7-34C1-4D32-9543-2D10409D70C5}"/>
               </a:ext>
             </a:extLst>
           </p:cNvPr>
@@ -3788,23 +4209,31 @@
           <a:p>
             <a:r>
               <a:rPr lang="en-US" sz="1500" b="1" dirty="0"/>
-              <a:t>Influence of Vegetation Structure on Lidar-derived Canopy Height and Fractional Cover in Forested Riparian Buffers During Leaf-Off and Leaf-On Conditions / Quantifying land use effects on forested riparian buffer vegetation structure using LiDAR data</a:t>
+              <a:t>Extensive Riparian Vegetation Monitoring – Remote Sensing Pilot Study</a:t>
             </a:r>
             <a:br>
               <a:rPr lang="en-US" sz="1500" dirty="0"/>
             </a:br>
             <a:r>
+              <a:rPr lang="en-US" sz="1500" dirty="0" err="1"/>
+              <a:t>Moskal</a:t>
+            </a:r>
+            <a:r>
               <a:rPr lang="en-US" sz="1500" dirty="0"/>
-              <a:t>Wasser, </a:t>
+              <a:t>, Cooke, Axe and </a:t>
             </a:r>
             <a:r>
               <a:rPr lang="en-US" sz="1500" dirty="0" err="1"/>
-              <a:t>Chasmer</a:t>
+              <a:t>Comnick</a:t>
             </a:r>
             <a:r>
               <a:rPr lang="en-US" sz="1500" dirty="0"/>
-              <a:t>, Day and Taylor, 2013 / 2015, PLOS One / Ecosphere</a:t>
-            </a:r>
+              <a:t>, 2017, Produced for WA DENR?</a:t>
+            </a:r>
+            <a:br>
+              <a:rPr lang="en-US" sz="1500" dirty="0"/>
+            </a:br>
+            <a:endParaRPr lang="en-US" sz="1500" dirty="0"/>
           </a:p>
         </p:txBody>
       </p:sp>
@@ -3813,7 +4242,7 @@
           <p:cNvPr id="3" name="Content Placeholder 2">
             <a:extLst>
               <a:ext uri="{FF2B5EF4-FFF2-40B4-BE49-F238E27FC236}">
-                <a16:creationId xmlns:a16="http://schemas.microsoft.com/office/drawing/2014/main" id="{5ED6D26C-8475-4576-9BFD-9EAF33D167E6}"/>
+                <a16:creationId xmlns:a16="http://schemas.microsoft.com/office/drawing/2014/main" id="{4C63DB12-F6CF-49E8-83A9-7CC2E5499DD8}"/>
               </a:ext>
             </a:extLst>
           </p:cNvPr>
@@ -3831,47 +4260,61 @@
           <a:p>
             <a:r>
               <a:rPr lang="en-US" dirty="0"/>
-              <a:t>175 </a:t>
-            </a:r>
-            <a:r>
-              <a:rPr lang="en-US" dirty="0" err="1"/>
-              <a:t>sq</a:t>
-            </a:r>
-            <a:r>
-              <a:rPr lang="en-US" dirty="0"/>
-              <a:t> mi watershed in central PA</a:t>
-            </a:r>
-          </a:p>
-          <a:p>
-            <a:r>
-              <a:rPr lang="en-US" dirty="0"/>
-              <a:t>Used 80 circular plots (r=11.3m) to validate veg. estimates</a:t>
-            </a:r>
-          </a:p>
-          <a:p>
-            <a:r>
-              <a:rPr lang="en-US" dirty="0"/>
-              <a:t>Looking specifically to estimate fractional canopy cover</a:t>
-            </a:r>
-          </a:p>
-          <a:p>
+              <a:t>Propose methods for using LiDAR to assess:</a:t>
+            </a:r>
+          </a:p>
+          <a:p>
+            <a:pPr lvl="1"/>
+            <a:r>
+              <a:rPr lang="en-US" dirty="0"/>
+              <a:t>Canopy Height (well studied)</a:t>
+            </a:r>
+          </a:p>
+          <a:p>
+            <a:pPr lvl="1"/>
             <a:r>
               <a:rPr lang="en-US" dirty="0">
                 <a:solidFill>
                   <a:srgbClr val="FF0000"/>
                 </a:solidFill>
               </a:rPr>
-              <a:t>Favored “vertical height percentiles” over gridded canopy height models for constructing canopy height</a:t>
-            </a:r>
-          </a:p>
-          <a:p>
+              <a:t>Canopy Percent Cover (well studied)</a:t>
+            </a:r>
+          </a:p>
+          <a:p>
+            <a:pPr lvl="1"/>
             <a:r>
               <a:rPr lang="en-US" dirty="0">
                 <a:solidFill>
                   <a:srgbClr val="FF0000"/>
                 </a:solidFill>
               </a:rPr>
-              <a:t>Used an automated method to determine buffer width</a:t>
+              <a:t>Stand Density (worked well)</a:t>
+            </a:r>
+          </a:p>
+          <a:p>
+            <a:pPr lvl="1"/>
+            <a:r>
+              <a:rPr lang="en-US" dirty="0"/>
+              <a:t>Conifer/Deciduous Classification (did not work well)</a:t>
+            </a:r>
+          </a:p>
+          <a:p>
+            <a:pPr lvl="1"/>
+            <a:r>
+              <a:rPr lang="en-US" dirty="0">
+                <a:solidFill>
+                  <a:srgbClr val="FF0000"/>
+                </a:solidFill>
+              </a:rPr>
+              <a:t>Vegetation Class/Seral Stage (unknown how accurate)</a:t>
+            </a:r>
+          </a:p>
+          <a:p>
+            <a:pPr lvl="1"/>
+            <a:r>
+              <a:rPr lang="en-US" dirty="0"/>
+              <a:t>Species ID (assumed to be near-impossible)</a:t>
             </a:r>
           </a:p>
         </p:txBody>
@@ -3879,7 +4322,7 @@
     </p:spTree>
     <p:extLst>
       <p:ext uri="{BB962C8B-B14F-4D97-AF65-F5344CB8AC3E}">
-        <p14:creationId xmlns:p14="http://schemas.microsoft.com/office/powerpoint/2010/main" val="1255944118"/>
+        <p14:creationId xmlns:p14="http://schemas.microsoft.com/office/powerpoint/2010/main" val="1856815029"/>
       </p:ext>
     </p:extLst>
   </p:cSld>
@@ -3911,7 +4354,7 @@
           <p:cNvPr id="2" name="Title 1">
             <a:extLst>
               <a:ext uri="{FF2B5EF4-FFF2-40B4-BE49-F238E27FC236}">
-                <a16:creationId xmlns:a16="http://schemas.microsoft.com/office/drawing/2014/main" id="{F93264C7-34C1-4D32-9543-2D10409D70C5}"/>
+                <a16:creationId xmlns:a16="http://schemas.microsoft.com/office/drawing/2014/main" id="{65982BC7-FD8E-4DEA-91CF-C10C5ACD73A6}"/>
               </a:ext>
             </a:extLst>
           </p:cNvPr>
@@ -3931,31 +4374,20 @@
           <a:p>
             <a:r>
               <a:rPr lang="en-US" sz="1500" b="1" dirty="0"/>
-              <a:t>Extensive Riparian Vegetation Monitoring – Remote Sensing Pilot Study</a:t>
+              <a:t>LiDAR measurement of sagebrush steppe vegetation heights</a:t>
             </a:r>
             <a:br>
+              <a:rPr lang="en-US" sz="1500" b="1" dirty="0"/>
+            </a:br>
+            <a:r>
+              <a:rPr lang="en-US" sz="1500" dirty="0" err="1"/>
+              <a:t>Struetker</a:t>
+            </a:r>
+            <a:r>
               <a:rPr lang="en-US" sz="1500" dirty="0"/>
-            </a:br>
-            <a:r>
-              <a:rPr lang="en-US" sz="1500" dirty="0" err="1"/>
-              <a:t>Moskal</a:t>
-            </a:r>
-            <a:r>
-              <a:rPr lang="en-US" sz="1500" dirty="0"/>
-              <a:t>, Cooke, Axe and </a:t>
-            </a:r>
-            <a:r>
-              <a:rPr lang="en-US" sz="1500" dirty="0" err="1"/>
-              <a:t>Comnick</a:t>
-            </a:r>
-            <a:r>
-              <a:rPr lang="en-US" sz="1500" dirty="0"/>
-              <a:t>, 2017, Produced for WA DENR?</a:t>
-            </a:r>
-            <a:br>
-              <a:rPr lang="en-US" sz="1500" dirty="0"/>
-            </a:br>
-            <a:endParaRPr lang="en-US" sz="1500" dirty="0"/>
+              <a:t> and Glenn, 2006, Remote Sensing of Environment</a:t>
+            </a:r>
+            <a:endParaRPr lang="en-US" sz="1500" b="1" dirty="0"/>
           </a:p>
         </p:txBody>
       </p:sp>
@@ -3964,7 +4396,7 @@
           <p:cNvPr id="3" name="Content Placeholder 2">
             <a:extLst>
               <a:ext uri="{FF2B5EF4-FFF2-40B4-BE49-F238E27FC236}">
-                <a16:creationId xmlns:a16="http://schemas.microsoft.com/office/drawing/2014/main" id="{4C63DB12-F6CF-49E8-83A9-7CC2E5499DD8}"/>
+                <a16:creationId xmlns:a16="http://schemas.microsoft.com/office/drawing/2014/main" id="{46535A28-FC4C-49F1-91E9-814C19B38204}"/>
               </a:ext>
             </a:extLst>
           </p:cNvPr>
@@ -3982,61 +4414,7 @@
           <a:p>
             <a:r>
               <a:rPr lang="en-US" dirty="0"/>
-              <a:t>Propose methods for using LiDAR to assess:</a:t>
-            </a:r>
-          </a:p>
-          <a:p>
-            <a:pPr lvl="1"/>
-            <a:r>
-              <a:rPr lang="en-US" dirty="0"/>
-              <a:t>Canopy Height (well studied)</a:t>
-            </a:r>
-          </a:p>
-          <a:p>
-            <a:pPr lvl="1"/>
-            <a:r>
-              <a:rPr lang="en-US" dirty="0">
-                <a:solidFill>
-                  <a:srgbClr val="FF0000"/>
-                </a:solidFill>
-              </a:rPr>
-              <a:t>Canopy Percent Cover (well studied)</a:t>
-            </a:r>
-          </a:p>
-          <a:p>
-            <a:pPr lvl="1"/>
-            <a:r>
-              <a:rPr lang="en-US" dirty="0">
-                <a:solidFill>
-                  <a:srgbClr val="FF0000"/>
-                </a:solidFill>
-              </a:rPr>
-              <a:t>Stand Density (worked well)</a:t>
-            </a:r>
-          </a:p>
-          <a:p>
-            <a:pPr lvl="1"/>
-            <a:r>
-              <a:rPr lang="en-US" dirty="0"/>
-              <a:t>Conifer/Deciduous Classification (did not work well)</a:t>
-            </a:r>
-          </a:p>
-          <a:p>
-            <a:pPr lvl="1"/>
-            <a:r>
-              <a:rPr lang="en-US" dirty="0">
-                <a:solidFill>
-                  <a:srgbClr val="FF0000"/>
-                </a:solidFill>
-              </a:rPr>
-              <a:t>Vegetation Class/Seral Stage (unknown how accurate)</a:t>
-            </a:r>
-          </a:p>
-          <a:p>
-            <a:pPr lvl="1"/>
-            <a:r>
-              <a:rPr lang="en-US" dirty="0"/>
-              <a:t>Species ID (assumed to be near-impossible)</a:t>
+              <a:t>Used surface roughness of DHMs to differentiate burned from unburned vegetation</a:t>
             </a:r>
           </a:p>
         </p:txBody>
@@ -4044,7 +4422,7 @@
     </p:spTree>
     <p:extLst>
       <p:ext uri="{BB962C8B-B14F-4D97-AF65-F5344CB8AC3E}">
-        <p14:creationId xmlns:p14="http://schemas.microsoft.com/office/powerpoint/2010/main" val="1856815029"/>
+        <p14:creationId xmlns:p14="http://schemas.microsoft.com/office/powerpoint/2010/main" val="1716097437"/>
       </p:ext>
     </p:extLst>
   </p:cSld>
@@ -4076,7 +4454,7 @@
           <p:cNvPr id="2" name="Title 1">
             <a:extLst>
               <a:ext uri="{FF2B5EF4-FFF2-40B4-BE49-F238E27FC236}">
-                <a16:creationId xmlns:a16="http://schemas.microsoft.com/office/drawing/2014/main" id="{65982BC7-FD8E-4DEA-91CF-C10C5ACD73A6}"/>
+                <a16:creationId xmlns:a16="http://schemas.microsoft.com/office/drawing/2014/main" id="{A9D45AA9-444D-440F-BAEF-AFA74FAA4BD4}"/>
               </a:ext>
             </a:extLst>
           </p:cNvPr>
@@ -4096,20 +4474,23 @@
           <a:p>
             <a:r>
               <a:rPr lang="en-US" sz="1500" b="1" dirty="0"/>
-              <a:t>LiDAR measurement of sagebrush steppe vegetation heights</a:t>
+              <a:t>Integrating LIDAR data and multispectral imagery for enhanced classification of rangeland vegetation: A meta analysis</a:t>
             </a:r>
             <a:br>
               <a:rPr lang="en-US" sz="1500" b="1" dirty="0"/>
             </a:br>
             <a:r>
+              <a:rPr lang="en-US" sz="1500" dirty="0"/>
+              <a:t>Bork and </a:t>
+            </a:r>
+            <a:r>
               <a:rPr lang="en-US" sz="1500" dirty="0" err="1"/>
-              <a:t>Struetker</a:t>
+              <a:t>Su</a:t>
             </a:r>
             <a:r>
               <a:rPr lang="en-US" sz="1500" dirty="0"/>
-              <a:t> and Glenn, 2006, Remote Sensing of Environment</a:t>
-            </a:r>
-            <a:endParaRPr lang="en-US" sz="1500" b="1" dirty="0"/>
+              <a:t>, 2007, Remote Sensing of Environment</a:t>
+            </a:r>
           </a:p>
         </p:txBody>
       </p:sp>
@@ -4118,7 +4499,7 @@
           <p:cNvPr id="3" name="Content Placeholder 2">
             <a:extLst>
               <a:ext uri="{FF2B5EF4-FFF2-40B4-BE49-F238E27FC236}">
-                <a16:creationId xmlns:a16="http://schemas.microsoft.com/office/drawing/2014/main" id="{46535A28-FC4C-49F1-91E9-814C19B38204}"/>
+                <a16:creationId xmlns:a16="http://schemas.microsoft.com/office/drawing/2014/main" id="{CBE26FC0-E2DF-433F-BC2A-CC04520EBCDD}"/>
               </a:ext>
             </a:extLst>
           </p:cNvPr>
@@ -4136,7 +4517,61 @@
           <a:p>
             <a:r>
               <a:rPr lang="en-US" dirty="0"/>
-              <a:t>Used surface roughness of DHMs to differentiate burned from unburned vegetation</a:t>
+              <a:t>Aspen Parkland of western Canada</a:t>
+            </a:r>
+          </a:p>
+          <a:p>
+            <a:r>
+              <a:rPr lang="en-US" dirty="0"/>
+              <a:t>Used LiDAR collected w/ simultaneous RGB imagery</a:t>
+            </a:r>
+          </a:p>
+          <a:p>
+            <a:r>
+              <a:rPr lang="en-US" dirty="0"/>
+              <a:t>Tried classifying imagery using 3 (forest, shrubs, grass) or 8 classes</a:t>
+            </a:r>
+          </a:p>
+          <a:p>
+            <a:pPr lvl="1"/>
+            <a:r>
+              <a:rPr lang="en-US" dirty="0"/>
+              <a:t>Imagery alone: 75% / 59% accuracy</a:t>
+            </a:r>
+          </a:p>
+          <a:p>
+            <a:pPr lvl="1"/>
+            <a:r>
+              <a:rPr lang="en-US" dirty="0"/>
+              <a:t>LiDAR alone: 65% / 52% accuracy</a:t>
+            </a:r>
+          </a:p>
+          <a:p>
+            <a:pPr lvl="1"/>
+            <a:r>
+              <a:rPr lang="en-US" dirty="0"/>
+              <a:t>Combined: 91% / 80% accuracy</a:t>
+            </a:r>
+          </a:p>
+          <a:p>
+            <a:r>
+              <a:rPr lang="en-US" dirty="0">
+                <a:solidFill>
+                  <a:srgbClr val="FF0000"/>
+                </a:solidFill>
+              </a:rPr>
+              <a:t>Model appears to be very specialized for study area</a:t>
+            </a:r>
+          </a:p>
+          <a:p>
+            <a:pPr lvl="1"/>
+            <a:r>
+              <a:rPr lang="en-US" dirty="0">
+                <a:solidFill>
+                  <a:srgbClr val="FF0000"/>
+                </a:solidFill>
+              </a:rPr>
+              <a:t>A lot of human model input that would need to be changed for different study areas</a:t>
             </a:r>
           </a:p>
         </p:txBody>
@@ -4144,7 +4579,7 @@
     </p:spTree>
     <p:extLst>
       <p:ext uri="{BB962C8B-B14F-4D97-AF65-F5344CB8AC3E}">
-        <p14:creationId xmlns:p14="http://schemas.microsoft.com/office/powerpoint/2010/main" val="1716097437"/>
+        <p14:creationId xmlns:p14="http://schemas.microsoft.com/office/powerpoint/2010/main" val="1748206575"/>
       </p:ext>
     </p:extLst>
   </p:cSld>
@@ -4176,7 +4611,7 @@
           <p:cNvPr id="2" name="Title 1">
             <a:extLst>
               <a:ext uri="{FF2B5EF4-FFF2-40B4-BE49-F238E27FC236}">
-                <a16:creationId xmlns:a16="http://schemas.microsoft.com/office/drawing/2014/main" id="{A9D45AA9-444D-440F-BAEF-AFA74FAA4BD4}"/>
+                <a16:creationId xmlns:a16="http://schemas.microsoft.com/office/drawing/2014/main" id="{03E28483-E135-4446-A840-C3BC668AC6EB}"/>
               </a:ext>
             </a:extLst>
           </p:cNvPr>
@@ -4196,22 +4631,238 @@
           <a:p>
             <a:r>
               <a:rPr lang="en-US" sz="1500" b="1" dirty="0"/>
-              <a:t>Integrating LIDAR data and multispectral imagery for enhanced classification of rangeland vegetation: A meta analysis</a:t>
+              <a:t>Fusion of LiDAR and imagery for estimating forest canopy fuels</a:t>
             </a:r>
             <a:br>
+              <a:rPr lang="en-US" sz="1500" dirty="0"/>
+            </a:br>
+            <a:r>
+              <a:rPr lang="en-US" sz="1500" dirty="0" err="1"/>
+              <a:t>Erdody</a:t>
+            </a:r>
+            <a:r>
+              <a:rPr lang="en-US" sz="1500" dirty="0"/>
+              <a:t> and </a:t>
+            </a:r>
+            <a:r>
+              <a:rPr lang="en-US" sz="1500" dirty="0" err="1"/>
+              <a:t>Moskal</a:t>
+            </a:r>
+            <a:r>
+              <a:rPr lang="en-US" sz="1500" dirty="0"/>
+              <a:t>, 2010, Remote Sensing of Environment</a:t>
+            </a:r>
+          </a:p>
+        </p:txBody>
+      </p:sp>
+      <p:sp>
+        <p:nvSpPr>
+          <p:cNvPr id="3" name="Content Placeholder 2">
+            <a:extLst>
+              <a:ext uri="{FF2B5EF4-FFF2-40B4-BE49-F238E27FC236}">
+                <a16:creationId xmlns:a16="http://schemas.microsoft.com/office/drawing/2014/main" id="{5701D964-D693-48D5-B02E-87513CDEBC34}"/>
+              </a:ext>
+            </a:extLst>
+          </p:cNvPr>
+          <p:cNvSpPr>
+            <a:spLocks noGrp="1"/>
+          </p:cNvSpPr>
+          <p:nvPr>
+            <p:ph idx="1"/>
+          </p:nvPr>
+        </p:nvSpPr>
+        <p:spPr/>
+        <p:txBody>
+          <a:bodyPr/>
+          <a:lstStyle/>
+          <a:p>
+            <a:r>
+              <a:rPr lang="en-US" dirty="0"/>
+              <a:t>Tried to estimate the mass density distribution of a forest</a:t>
+            </a:r>
+          </a:p>
+        </p:txBody>
+      </p:sp>
+    </p:spTree>
+    <p:extLst>
+      <p:ext uri="{BB962C8B-B14F-4D97-AF65-F5344CB8AC3E}">
+        <p14:creationId xmlns:p14="http://schemas.microsoft.com/office/powerpoint/2010/main" val="2016976102"/>
+      </p:ext>
+    </p:extLst>
+  </p:cSld>
+  <p:clrMapOvr>
+    <a:masterClrMapping/>
+  </p:clrMapOvr>
+</p:sld>
+</file>
+
+<file path=ppt/slides/slide8.xml><?xml version="1.0" encoding="utf-8"?>
+<p:sld xmlns:a="http://schemas.openxmlformats.org/drawingml/2006/main" xmlns:r="http://schemas.openxmlformats.org/officeDocument/2006/relationships" xmlns:p="http://schemas.openxmlformats.org/presentationml/2006/main">
+  <p:cSld>
+    <p:spTree>
+      <p:nvGrpSpPr>
+        <p:cNvPr id="1" name=""/>
+        <p:cNvGrpSpPr/>
+        <p:nvPr/>
+      </p:nvGrpSpPr>
+      <p:grpSpPr>
+        <a:xfrm>
+          <a:off x="0" y="0"/>
+          <a:ext cx="0" cy="0"/>
+          <a:chOff x="0" y="0"/>
+          <a:chExt cx="0" cy="0"/>
+        </a:xfrm>
+      </p:grpSpPr>
+      <p:sp>
+        <p:nvSpPr>
+          <p:cNvPr id="2" name="Title 1">
+            <a:extLst>
+              <a:ext uri="{FF2B5EF4-FFF2-40B4-BE49-F238E27FC236}">
+                <a16:creationId xmlns:a16="http://schemas.microsoft.com/office/drawing/2014/main" id="{D908DFEB-156E-4725-BA2A-B10D07E1C585}"/>
+              </a:ext>
+            </a:extLst>
+          </p:cNvPr>
+          <p:cNvSpPr>
+            <a:spLocks noGrp="1"/>
+          </p:cNvSpPr>
+          <p:nvPr>
+            <p:ph type="title"/>
+          </p:nvPr>
+        </p:nvSpPr>
+        <p:spPr/>
+        <p:txBody>
+          <a:bodyPr>
+            <a:normAutofit/>
+          </a:bodyPr>
+          <a:lstStyle/>
+          <a:p>
+            <a:r>
               <a:rPr lang="en-US" sz="1500" b="1" dirty="0"/>
+              <a:t>Improving representation of riparian vegetation shading in a regional stream temperature model using LiDAR data</a:t>
+            </a:r>
+            <a:br>
+              <a:rPr lang="en-US" sz="1500" dirty="0"/>
             </a:br>
             <a:r>
+              <a:rPr lang="en-US" sz="1500" dirty="0" err="1"/>
+              <a:t>Loicq</a:t>
+            </a:r>
+            <a:r>
               <a:rPr lang="en-US" sz="1500" dirty="0"/>
-              <a:t>Bork and </a:t>
-            </a:r>
+              <a:t> et al., 2018, Science of the Total Environment</a:t>
+            </a:r>
+          </a:p>
+        </p:txBody>
+      </p:sp>
+      <p:sp>
+        <p:nvSpPr>
+          <p:cNvPr id="3" name="Content Placeholder 2">
+            <a:extLst>
+              <a:ext uri="{FF2B5EF4-FFF2-40B4-BE49-F238E27FC236}">
+                <a16:creationId xmlns:a16="http://schemas.microsoft.com/office/drawing/2014/main" id="{9551EED3-EDB7-4DF8-9256-5B487BD9525B}"/>
+              </a:ext>
+            </a:extLst>
+          </p:cNvPr>
+          <p:cNvSpPr>
+            <a:spLocks noGrp="1"/>
+          </p:cNvSpPr>
+          <p:nvPr>
+            <p:ph idx="1"/>
+          </p:nvPr>
+        </p:nvSpPr>
+        <p:spPr/>
+        <p:txBody>
+          <a:bodyPr/>
+          <a:lstStyle/>
+          <a:p>
+            <a:r>
+              <a:rPr lang="en-US" dirty="0"/>
+              <a:t>Could shading estimates be of any interest to us?</a:t>
+            </a:r>
+          </a:p>
+          <a:p>
+            <a:r>
+              <a:rPr lang="en-US" dirty="0"/>
+              <a:t>Otherwise nothing much of interest</a:t>
+            </a:r>
+          </a:p>
+        </p:txBody>
+      </p:sp>
+    </p:spTree>
+    <p:extLst>
+      <p:ext uri="{BB962C8B-B14F-4D97-AF65-F5344CB8AC3E}">
+        <p14:creationId xmlns:p14="http://schemas.microsoft.com/office/powerpoint/2010/main" val="3215305946"/>
+      </p:ext>
+    </p:extLst>
+  </p:cSld>
+  <p:clrMapOvr>
+    <a:masterClrMapping/>
+  </p:clrMapOvr>
+</p:sld>
+</file>
+
+<file path=ppt/slides/slide9.xml><?xml version="1.0" encoding="utf-8"?>
+<p:sld xmlns:a="http://schemas.openxmlformats.org/drawingml/2006/main" xmlns:r="http://schemas.openxmlformats.org/officeDocument/2006/relationships" xmlns:p="http://schemas.openxmlformats.org/presentationml/2006/main">
+  <p:cSld>
+    <p:spTree>
+      <p:nvGrpSpPr>
+        <p:cNvPr id="1" name=""/>
+        <p:cNvGrpSpPr/>
+        <p:nvPr/>
+      </p:nvGrpSpPr>
+      <p:grpSpPr>
+        <a:xfrm>
+          <a:off x="0" y="0"/>
+          <a:ext cx="0" cy="0"/>
+          <a:chOff x="0" y="0"/>
+          <a:chExt cx="0" cy="0"/>
+        </a:xfrm>
+      </p:grpSpPr>
+      <p:sp>
+        <p:nvSpPr>
+          <p:cNvPr id="2" name="Title 1">
+            <a:extLst>
+              <a:ext uri="{FF2B5EF4-FFF2-40B4-BE49-F238E27FC236}">
+                <a16:creationId xmlns:a16="http://schemas.microsoft.com/office/drawing/2014/main" id="{F8C05A1C-1010-45B2-9DC3-AEC173972666}"/>
+              </a:ext>
+            </a:extLst>
+          </p:cNvPr>
+          <p:cNvSpPr>
+            <a:spLocks noGrp="1"/>
+          </p:cNvSpPr>
+          <p:nvPr>
+            <p:ph type="title"/>
+          </p:nvPr>
+        </p:nvSpPr>
+        <p:spPr/>
+        <p:txBody>
+          <a:bodyPr>
+            <a:normAutofit/>
+          </a:bodyPr>
+          <a:lstStyle/>
+          <a:p>
+            <a:r>
+              <a:rPr lang="en-US" sz="1500" b="1" dirty="0"/>
+              <a:t>Mapping Riparian Vegetation Functions Using 3D </a:t>
+            </a:r>
+            <a:r>
+              <a:rPr lang="en-US" sz="1500" b="1" dirty="0" err="1"/>
+              <a:t>Bispectral</a:t>
+            </a:r>
+            <a:r>
+              <a:rPr lang="en-US" sz="1500" b="1" dirty="0"/>
+              <a:t> LiDAR Data</a:t>
+            </a:r>
+            <a:br>
+              <a:rPr lang="en-US" sz="1500" dirty="0"/>
+            </a:br>
             <a:r>
               <a:rPr lang="en-US" sz="1500" dirty="0" err="1"/>
-              <a:t>Su</a:t>
+              <a:t>Ladlier</a:t>
             </a:r>
             <a:r>
               <a:rPr lang="en-US" sz="1500" dirty="0"/>
-              <a:t>, 2007, Remote Sensing of Environment</a:t>
+              <a:t>, Hubert-Moy and Dufour, 2019, Water</a:t>
             </a:r>
           </a:p>
         </p:txBody>
@@ -4221,7 +4872,7 @@
           <p:cNvPr id="3" name="Content Placeholder 2">
             <a:extLst>
               <a:ext uri="{FF2B5EF4-FFF2-40B4-BE49-F238E27FC236}">
-                <a16:creationId xmlns:a16="http://schemas.microsoft.com/office/drawing/2014/main" id="{CBE26FC0-E2DF-433F-BC2A-CC04520EBCDD}"/>
+                <a16:creationId xmlns:a16="http://schemas.microsoft.com/office/drawing/2014/main" id="{D5E27CB8-02C5-4107-9F75-23F0C67BB796}"/>
               </a:ext>
             </a:extLst>
           </p:cNvPr>
@@ -4234,66 +4885,151 @@
         </p:nvSpPr>
         <p:spPr/>
         <p:txBody>
-          <a:bodyPr/>
-          <a:lstStyle/>
-          <a:p>
-            <a:r>
-              <a:rPr lang="en-US" dirty="0"/>
-              <a:t>Aspen Parkland of western Canada</a:t>
-            </a:r>
-          </a:p>
-          <a:p>
-            <a:r>
-              <a:rPr lang="en-US" dirty="0"/>
-              <a:t>Used LiDAR collected w/ simultaneous RGB imagery</a:t>
-            </a:r>
-          </a:p>
-          <a:p>
-            <a:r>
-              <a:rPr lang="en-US" dirty="0"/>
-              <a:t>Tried classifying imagery using 3 or 8 classes</a:t>
+          <a:bodyPr>
+            <a:normAutofit fontScale="92500" lnSpcReduction="10000"/>
+          </a:bodyPr>
+          <a:lstStyle/>
+          <a:p>
+            <a:r>
+              <a:rPr lang="en-US" dirty="0"/>
+              <a:t>Functions evaluated:</a:t>
             </a:r>
           </a:p>
           <a:p>
             <a:pPr lvl="1"/>
             <a:r>
               <a:rPr lang="en-US" dirty="0"/>
-              <a:t>Imagery alone: 75% / 59% accuracy</a:t>
+              <a:t>Canopy Height</a:t>
             </a:r>
           </a:p>
           <a:p>
             <a:pPr lvl="1"/>
             <a:r>
               <a:rPr lang="en-US" dirty="0"/>
-              <a:t>LiDAR alone: 65% / 52% accuracy</a:t>
+              <a:t>STDDEV of Canopy Height</a:t>
             </a:r>
           </a:p>
           <a:p>
             <a:pPr lvl="1"/>
             <a:r>
               <a:rPr lang="en-US" dirty="0"/>
-              <a:t>Combined: 91% / 80% accuracy</a:t>
-            </a:r>
-          </a:p>
-          <a:p>
+              <a:t>Vertical Canopy Structure </a:t>
+            </a:r>
             <a:r>
               <a:rPr lang="en-US" dirty="0">
                 <a:solidFill>
                   <a:srgbClr val="FF0000"/>
                 </a:solidFill>
               </a:rPr>
-              <a:t>Model appears to be very specialized for study area</a:t>
-            </a:r>
-          </a:p>
-          <a:p>
-            <a:pPr lvl="1"/>
+              <a:t>(used </a:t>
+            </a:r>
+            <a:r>
+              <a:rPr lang="en-US" dirty="0" err="1">
+                <a:solidFill>
+                  <a:srgbClr val="FF0000"/>
+                </a:solidFill>
+              </a:rPr>
+              <a:t>n_first_returns</a:t>
+            </a:r>
             <a:r>
               <a:rPr lang="en-US" dirty="0">
                 <a:solidFill>
                   <a:srgbClr val="FF0000"/>
                 </a:solidFill>
               </a:rPr>
-              <a:t>A lot of human model input that would need to be changed for different study areas</a:t>
+              <a:t>/</a:t>
+            </a:r>
+            <a:r>
+              <a:rPr lang="en-US" dirty="0" err="1">
+                <a:solidFill>
+                  <a:srgbClr val="FF0000"/>
+                </a:solidFill>
+              </a:rPr>
+              <a:t>n_returns</a:t>
+            </a:r>
+            <a:r>
+              <a:rPr lang="en-US" dirty="0">
+                <a:solidFill>
+                  <a:srgbClr val="FF0000"/>
+                </a:solidFill>
+              </a:rPr>
+              <a:t> as proxy for canopy density)</a:t>
+            </a:r>
+          </a:p>
+          <a:p>
+            <a:pPr lvl="1"/>
+            <a:r>
+              <a:rPr lang="en-US" dirty="0"/>
+              <a:t>Area and Volume of Vegetation Overhanging River</a:t>
+            </a:r>
+          </a:p>
+          <a:p>
+            <a:pPr lvl="1"/>
+            <a:r>
+              <a:rPr lang="en-US" dirty="0"/>
+              <a:t>Trees Species Composition</a:t>
+            </a:r>
+            <a:r>
+              <a:rPr lang="en-US" dirty="0">
+                <a:solidFill>
+                  <a:srgbClr val="FF0000"/>
+                </a:solidFill>
+              </a:rPr>
+              <a:t> (Supervised ML)</a:t>
+            </a:r>
+            <a:endParaRPr lang="en-US" dirty="0"/>
+          </a:p>
+          <a:p>
+            <a:pPr lvl="1"/>
+            <a:r>
+              <a:rPr lang="en-US" dirty="0"/>
+              <a:t>Density of Herbaceous Stratum</a:t>
+            </a:r>
+            <a:r>
+              <a:rPr lang="en-US" dirty="0">
+                <a:solidFill>
+                  <a:srgbClr val="FF0000"/>
+                </a:solidFill>
+              </a:rPr>
+              <a:t> (Supervised ML)</a:t>
+            </a:r>
+            <a:endParaRPr lang="en-US" dirty="0"/>
+          </a:p>
+          <a:p>
+            <a:pPr lvl="1"/>
+            <a:r>
+              <a:rPr lang="en-US" dirty="0"/>
+              <a:t>Density of Shrub Stratum </a:t>
+            </a:r>
+            <a:r>
+              <a:rPr lang="en-US" dirty="0">
+                <a:solidFill>
+                  <a:srgbClr val="FF0000"/>
+                </a:solidFill>
+              </a:rPr>
+              <a:t>(Supervised ML)</a:t>
+            </a:r>
+            <a:endParaRPr lang="en-US" dirty="0"/>
+          </a:p>
+          <a:p>
+            <a:pPr lvl="1"/>
+            <a:r>
+              <a:rPr lang="en-US" dirty="0"/>
+              <a:t>Number of Trunks </a:t>
+            </a:r>
+            <a:r>
+              <a:rPr lang="en-US" dirty="0">
+                <a:solidFill>
+                  <a:srgbClr val="FF0000"/>
+                </a:solidFill>
+              </a:rPr>
+              <a:t>(Supervised ML)</a:t>
+            </a:r>
+          </a:p>
+          <a:p>
+            <a:r>
+              <a:rPr lang="en-US" dirty="0"/>
+              <a:t>The functions evaluated with ML were evaluated on discrete intervals (rather than continuous)</a:t>
             </a:r>
           </a:p>
         </p:txBody>
@@ -4301,7 +5037,7 @@
     </p:spTree>
     <p:extLst>
       <p:ext uri="{BB962C8B-B14F-4D97-AF65-F5344CB8AC3E}">
-        <p14:creationId xmlns:p14="http://schemas.microsoft.com/office/powerpoint/2010/main" val="1748206575"/>
+        <p14:creationId xmlns:p14="http://schemas.microsoft.com/office/powerpoint/2010/main" val="462957100"/>
       </p:ext>
     </p:extLst>
   </p:cSld>

--- a/writing/veglidar_litreview.pptx
+++ b/writing/veglidar_litreview.pptx
@@ -3693,7 +3693,9 @@
         </p:nvSpPr>
         <p:spPr/>
         <p:txBody>
-          <a:bodyPr/>
+          <a:bodyPr>
+            <a:normAutofit lnSpcReduction="10000"/>
+          </a:bodyPr>
           <a:lstStyle/>
           <a:p>
             <a:r>
@@ -3705,7 +3707,7 @@
             <a:pPr lvl="1"/>
             <a:r>
               <a:rPr lang="en-US" dirty="0"/>
-              <a:t>Could use several study areas to train and optimize a general model</a:t>
+              <a:t>Could use several study areas (urban, lowlands, mountains, etc.) to train and optimize a general model</a:t>
             </a:r>
           </a:p>
           <a:p>
@@ -3719,15 +3721,14 @@
             <a:pPr lvl="1"/>
             <a:r>
               <a:rPr lang="en-US" dirty="0"/>
-              <a:t>But final model shouldn’t use supervised ML (</a:t>
-            </a:r>
-            <a:r>
-              <a:rPr lang="en-US"/>
-              <a:t>could use raster </a:t>
-            </a:r>
-            <a:r>
-              <a:rPr lang="en-US" dirty="0"/>
-              <a:t>math, unsupervised ML)</a:t>
+              <a:t>But final model shouldn’t use supervised ML (could use raster math, unsupervised ML)</a:t>
+            </a:r>
+          </a:p>
+          <a:p>
+            <a:pPr lvl="1"/>
+            <a:r>
+              <a:rPr lang="en-US" dirty="0"/>
+              <a:t>Compare general model results to results optimized for a single area</a:t>
             </a:r>
           </a:p>
           <a:p>
@@ -3739,8 +3740,12 @@
           <a:p>
             <a:pPr lvl="1"/>
             <a:r>
-              <a:rPr lang="en-US" dirty="0"/>
-              <a:t>Such a distribution could also incorporate ideas from other papers</a:t>
+              <a:rPr lang="en-US"/>
+              <a:t>Could also </a:t>
+            </a:r>
+            <a:r>
+              <a:rPr lang="en-US" dirty="0"/>
+              <a:t>incorporate ideas from other papers</a:t>
             </a:r>
           </a:p>
         </p:txBody>

--- a/writing/veglidar_litreview.pptx
+++ b/writing/veglidar_litreview.pptx
@@ -15,8 +15,9 @@
     <p:sldId id="264" r:id="rId9"/>
     <p:sldId id="266" r:id="rId10"/>
     <p:sldId id="267" r:id="rId11"/>
-    <p:sldId id="258" r:id="rId12"/>
-    <p:sldId id="268" r:id="rId13"/>
+    <p:sldId id="269" r:id="rId12"/>
+    <p:sldId id="258" r:id="rId13"/>
+    <p:sldId id="268" r:id="rId14"/>
   </p:sldIdLst>
   <p:sldSz cx="12192000" cy="6858000"/>
   <p:notesSz cx="6858000" cy="9144000"/>
@@ -3528,6 +3529,147 @@
           <p:cNvPr id="2" name="Title 1">
             <a:extLst>
               <a:ext uri="{FF2B5EF4-FFF2-40B4-BE49-F238E27FC236}">
+                <a16:creationId xmlns:a16="http://schemas.microsoft.com/office/drawing/2014/main" id="{2103D913-354E-44BF-979B-33874A760F9E}"/>
+              </a:ext>
+            </a:extLst>
+          </p:cNvPr>
+          <p:cNvSpPr>
+            <a:spLocks noGrp="1"/>
+          </p:cNvSpPr>
+          <p:nvPr>
+            <p:ph type="title"/>
+          </p:nvPr>
+        </p:nvSpPr>
+        <p:spPr/>
+        <p:txBody>
+          <a:bodyPr>
+            <a:normAutofit/>
+          </a:bodyPr>
+          <a:lstStyle/>
+          <a:p>
+            <a:r>
+              <a:rPr lang="en-US" sz="1500" b="1" dirty="0"/>
+              <a:t>Characterizing streams and riparian areas with airborne laser scanning data</a:t>
+            </a:r>
+            <a:br>
+              <a:rPr lang="en-US" sz="1500" b="1" dirty="0"/>
+            </a:br>
+            <a:r>
+              <a:rPr lang="en-US" sz="1500" dirty="0" err="1"/>
+              <a:t>Tompalski</a:t>
+            </a:r>
+            <a:r>
+              <a:rPr lang="en-US" sz="1500" dirty="0"/>
+              <a:t> et al., 2017, Remote Sensing of Environment</a:t>
+            </a:r>
+          </a:p>
+        </p:txBody>
+      </p:sp>
+      <p:sp>
+        <p:nvSpPr>
+          <p:cNvPr id="3" name="Content Placeholder 2">
+            <a:extLst>
+              <a:ext uri="{FF2B5EF4-FFF2-40B4-BE49-F238E27FC236}">
+                <a16:creationId xmlns:a16="http://schemas.microsoft.com/office/drawing/2014/main" id="{3659383F-914D-4580-B834-198A3CA92DD0}"/>
+              </a:ext>
+            </a:extLst>
+          </p:cNvPr>
+          <p:cNvSpPr>
+            <a:spLocks noGrp="1"/>
+          </p:cNvSpPr>
+          <p:nvPr>
+            <p:ph idx="1"/>
+          </p:nvPr>
+        </p:nvSpPr>
+        <p:spPr/>
+        <p:txBody>
+          <a:bodyPr/>
+          <a:lstStyle/>
+          <a:p>
+            <a:r>
+              <a:rPr lang="en-US" dirty="0"/>
+              <a:t>Intro to paper gives intro to different attributes that investigators have tried to sense from LiDAR</a:t>
+            </a:r>
+          </a:p>
+          <a:p>
+            <a:pPr lvl="1"/>
+            <a:r>
+              <a:rPr lang="en-US" dirty="0"/>
+              <a:t>Tree species type</a:t>
+            </a:r>
+          </a:p>
+          <a:p>
+            <a:pPr lvl="1"/>
+            <a:r>
+              <a:rPr lang="en-US" dirty="0"/>
+              <a:t>Canopy cover</a:t>
+            </a:r>
+          </a:p>
+          <a:p>
+            <a:pPr lvl="1"/>
+            <a:r>
+              <a:rPr lang="en-US" dirty="0"/>
+              <a:t>Stand dimensions/structure</a:t>
+            </a:r>
+          </a:p>
+          <a:p>
+            <a:pPr lvl="1"/>
+            <a:r>
+              <a:rPr lang="en-US" dirty="0"/>
+              <a:t>Longitudinal continuity</a:t>
+            </a:r>
+          </a:p>
+          <a:p>
+            <a:pPr lvl="1"/>
+            <a:r>
+              <a:rPr lang="en-US" dirty="0"/>
+              <a:t>Bank stability</a:t>
+            </a:r>
+          </a:p>
+          <a:p>
+            <a:pPr lvl="1"/>
+            <a:r>
+              <a:rPr lang="en-US" dirty="0"/>
+              <a:t>Shading</a:t>
+            </a:r>
+          </a:p>
+        </p:txBody>
+      </p:sp>
+    </p:spTree>
+    <p:extLst>
+      <p:ext uri="{BB962C8B-B14F-4D97-AF65-F5344CB8AC3E}">
+        <p14:creationId xmlns:p14="http://schemas.microsoft.com/office/powerpoint/2010/main" val="2508295356"/>
+      </p:ext>
+    </p:extLst>
+  </p:cSld>
+  <p:clrMapOvr>
+    <a:masterClrMapping/>
+  </p:clrMapOvr>
+</p:sld>
+</file>
+
+<file path=ppt/slides/slide12.xml><?xml version="1.0" encoding="utf-8"?>
+<p:sld xmlns:a="http://schemas.openxmlformats.org/drawingml/2006/main" xmlns:r="http://schemas.openxmlformats.org/officeDocument/2006/relationships" xmlns:p="http://schemas.openxmlformats.org/presentationml/2006/main">
+  <p:cSld>
+    <p:spTree>
+      <p:nvGrpSpPr>
+        <p:cNvPr id="1" name=""/>
+        <p:cNvGrpSpPr/>
+        <p:nvPr/>
+      </p:nvGrpSpPr>
+      <p:grpSpPr>
+        <a:xfrm>
+          <a:off x="0" y="0"/>
+          <a:ext cx="0" cy="0"/>
+          <a:chOff x="0" y="0"/>
+          <a:chExt cx="0" cy="0"/>
+        </a:xfrm>
+      </p:grpSpPr>
+      <p:sp>
+        <p:nvSpPr>
+          <p:cNvPr id="2" name="Title 1">
+            <a:extLst>
+              <a:ext uri="{FF2B5EF4-FFF2-40B4-BE49-F238E27FC236}">
                 <a16:creationId xmlns:a16="http://schemas.microsoft.com/office/drawing/2014/main" id="{5A5A76EB-B2DC-44E6-A100-555E7AC77A43}"/>
               </a:ext>
             </a:extLst>
@@ -3630,7 +3772,7 @@
 </p:sld>
 </file>
 
-<file path=ppt/slides/slide12.xml><?xml version="1.0" encoding="utf-8"?>
+<file path=ppt/slides/slide13.xml><?xml version="1.0" encoding="utf-8"?>
 <p:sld xmlns:a="http://schemas.openxmlformats.org/drawingml/2006/main" xmlns:r="http://schemas.openxmlformats.org/officeDocument/2006/relationships" xmlns:p="http://schemas.openxmlformats.org/presentationml/2006/main">
   <p:cSld>
     <p:spTree>
@@ -3827,7 +3969,7 @@
         <p:spPr/>
         <p:txBody>
           <a:bodyPr>
-            <a:normAutofit fontScale="55000" lnSpcReduction="20000"/>
+            <a:normAutofit fontScale="47500" lnSpcReduction="20000"/>
           </a:bodyPr>
           <a:lstStyle/>
           <a:p>
@@ -4009,6 +4151,23 @@
             <a:r>
               <a:rPr lang="en-US" i="1" dirty="0"/>
               <a:t>, 2001, presented at The Proceedings of the First International Precision Forestry Cooperative Symposium</a:t>
+            </a:r>
+          </a:p>
+          <a:p>
+            <a:r>
+              <a:rPr lang="en-US" dirty="0"/>
+              <a:t>Characterizing streams and riparian areas with airborne laser scanning data</a:t>
+            </a:r>
+          </a:p>
+          <a:p>
+            <a:pPr lvl="1"/>
+            <a:r>
+              <a:rPr lang="en-US" i="1" dirty="0" err="1"/>
+              <a:t>Tompalski</a:t>
+            </a:r>
+            <a:r>
+              <a:rPr lang="en-US" i="1" dirty="0"/>
+              <a:t> et al., 2017</a:t>
             </a:r>
           </a:p>
           <a:p>

--- a/writing/veglidar_litreview.pptx
+++ b/writing/veglidar_litreview.pptx
@@ -18,6 +18,7 @@
     <p:sldId id="269" r:id="rId12"/>
     <p:sldId id="258" r:id="rId13"/>
     <p:sldId id="268" r:id="rId14"/>
+    <p:sldId id="270" r:id="rId15"/>
   </p:sldIdLst>
   <p:sldSz cx="12192000" cy="6858000"/>
   <p:notesSz cx="6858000" cy="9144000"/>
@@ -271,7 +272,7 @@
           <a:p>
             <a:fld id="{82D9B44B-5FF4-4908-99F9-07CF27CD2DD3}" type="datetimeFigureOut">
               <a:rPr lang="en-US" smtClean="0"/>
-              <a:t>8/3/2019</a:t>
+              <a:t>8/8/2019</a:t>
             </a:fld>
             <a:endParaRPr lang="en-US"/>
           </a:p>
@@ -469,7 +470,7 @@
           <a:p>
             <a:fld id="{82D9B44B-5FF4-4908-99F9-07CF27CD2DD3}" type="datetimeFigureOut">
               <a:rPr lang="en-US" smtClean="0"/>
-              <a:t>8/3/2019</a:t>
+              <a:t>8/8/2019</a:t>
             </a:fld>
             <a:endParaRPr lang="en-US"/>
           </a:p>
@@ -677,7 +678,7 @@
           <a:p>
             <a:fld id="{82D9B44B-5FF4-4908-99F9-07CF27CD2DD3}" type="datetimeFigureOut">
               <a:rPr lang="en-US" smtClean="0"/>
-              <a:t>8/3/2019</a:t>
+              <a:t>8/8/2019</a:t>
             </a:fld>
             <a:endParaRPr lang="en-US"/>
           </a:p>
@@ -875,7 +876,7 @@
           <a:p>
             <a:fld id="{82D9B44B-5FF4-4908-99F9-07CF27CD2DD3}" type="datetimeFigureOut">
               <a:rPr lang="en-US" smtClean="0"/>
-              <a:t>8/3/2019</a:t>
+              <a:t>8/8/2019</a:t>
             </a:fld>
             <a:endParaRPr lang="en-US"/>
           </a:p>
@@ -1150,7 +1151,7 @@
           <a:p>
             <a:fld id="{82D9B44B-5FF4-4908-99F9-07CF27CD2DD3}" type="datetimeFigureOut">
               <a:rPr lang="en-US" smtClean="0"/>
-              <a:t>8/3/2019</a:t>
+              <a:t>8/8/2019</a:t>
             </a:fld>
             <a:endParaRPr lang="en-US"/>
           </a:p>
@@ -1415,7 +1416,7 @@
           <a:p>
             <a:fld id="{82D9B44B-5FF4-4908-99F9-07CF27CD2DD3}" type="datetimeFigureOut">
               <a:rPr lang="en-US" smtClean="0"/>
-              <a:t>8/3/2019</a:t>
+              <a:t>8/8/2019</a:t>
             </a:fld>
             <a:endParaRPr lang="en-US"/>
           </a:p>
@@ -1827,7 +1828,7 @@
           <a:p>
             <a:fld id="{82D9B44B-5FF4-4908-99F9-07CF27CD2DD3}" type="datetimeFigureOut">
               <a:rPr lang="en-US" smtClean="0"/>
-              <a:t>8/3/2019</a:t>
+              <a:t>8/8/2019</a:t>
             </a:fld>
             <a:endParaRPr lang="en-US"/>
           </a:p>
@@ -1968,7 +1969,7 @@
           <a:p>
             <a:fld id="{82D9B44B-5FF4-4908-99F9-07CF27CD2DD3}" type="datetimeFigureOut">
               <a:rPr lang="en-US" smtClean="0"/>
-              <a:t>8/3/2019</a:t>
+              <a:t>8/8/2019</a:t>
             </a:fld>
             <a:endParaRPr lang="en-US"/>
           </a:p>
@@ -2081,7 +2082,7 @@
           <a:p>
             <a:fld id="{82D9B44B-5FF4-4908-99F9-07CF27CD2DD3}" type="datetimeFigureOut">
               <a:rPr lang="en-US" smtClean="0"/>
-              <a:t>8/3/2019</a:t>
+              <a:t>8/8/2019</a:t>
             </a:fld>
             <a:endParaRPr lang="en-US"/>
           </a:p>
@@ -2392,7 +2393,7 @@
           <a:p>
             <a:fld id="{82D9B44B-5FF4-4908-99F9-07CF27CD2DD3}" type="datetimeFigureOut">
               <a:rPr lang="en-US" smtClean="0"/>
-              <a:t>8/3/2019</a:t>
+              <a:t>8/8/2019</a:t>
             </a:fld>
             <a:endParaRPr lang="en-US"/>
           </a:p>
@@ -2680,7 +2681,7 @@
           <a:p>
             <a:fld id="{82D9B44B-5FF4-4908-99F9-07CF27CD2DD3}" type="datetimeFigureOut">
               <a:rPr lang="en-US" smtClean="0"/>
-              <a:t>8/3/2019</a:t>
+              <a:t>8/8/2019</a:t>
             </a:fld>
             <a:endParaRPr lang="en-US"/>
           </a:p>
@@ -2921,7 +2922,7 @@
           <a:p>
             <a:fld id="{82D9B44B-5FF4-4908-99F9-07CF27CD2DD3}" type="datetimeFigureOut">
               <a:rPr lang="en-US" smtClean="0"/>
-              <a:t>8/3/2019</a:t>
+              <a:t>8/8/2019</a:t>
             </a:fld>
             <a:endParaRPr lang="en-US"/>
           </a:p>
@@ -3905,6 +3906,119 @@
 </p:sld>
 </file>
 
+<file path=ppt/slides/slide14.xml><?xml version="1.0" encoding="utf-8"?>
+<p:sld xmlns:a="http://schemas.openxmlformats.org/drawingml/2006/main" xmlns:r="http://schemas.openxmlformats.org/officeDocument/2006/relationships" xmlns:p="http://schemas.openxmlformats.org/presentationml/2006/main">
+  <p:cSld>
+    <p:spTree>
+      <p:nvGrpSpPr>
+        <p:cNvPr id="1" name=""/>
+        <p:cNvGrpSpPr/>
+        <p:nvPr/>
+      </p:nvGrpSpPr>
+      <p:grpSpPr>
+        <a:xfrm>
+          <a:off x="0" y="0"/>
+          <a:ext cx="0" cy="0"/>
+          <a:chOff x="0" y="0"/>
+          <a:chExt cx="0" cy="0"/>
+        </a:xfrm>
+      </p:grpSpPr>
+      <p:sp>
+        <p:nvSpPr>
+          <p:cNvPr id="2" name="Title 1">
+            <a:extLst>
+              <a:ext uri="{FF2B5EF4-FFF2-40B4-BE49-F238E27FC236}">
+                <a16:creationId xmlns:a16="http://schemas.microsoft.com/office/drawing/2014/main" id="{1CF32BAD-3F0A-489F-9FCF-3FEA74F482A5}"/>
+              </a:ext>
+            </a:extLst>
+          </p:cNvPr>
+          <p:cNvSpPr>
+            <a:spLocks noGrp="1"/>
+          </p:cNvSpPr>
+          <p:nvPr>
+            <p:ph type="title"/>
+          </p:nvPr>
+        </p:nvSpPr>
+        <p:spPr/>
+        <p:txBody>
+          <a:bodyPr/>
+          <a:lstStyle/>
+          <a:p>
+            <a:r>
+              <a:rPr lang="en-US" dirty="0"/>
+              <a:t>More Papers?</a:t>
+            </a:r>
+          </a:p>
+        </p:txBody>
+      </p:sp>
+      <p:sp>
+        <p:nvSpPr>
+          <p:cNvPr id="3" name="Content Placeholder 2">
+            <a:extLst>
+              <a:ext uri="{FF2B5EF4-FFF2-40B4-BE49-F238E27FC236}">
+                <a16:creationId xmlns:a16="http://schemas.microsoft.com/office/drawing/2014/main" id="{C0013CD4-9418-4CD4-BA5E-7D0AE1D29068}"/>
+              </a:ext>
+            </a:extLst>
+          </p:cNvPr>
+          <p:cNvSpPr>
+            <a:spLocks noGrp="1"/>
+          </p:cNvSpPr>
+          <p:nvPr>
+            <p:ph idx="1"/>
+          </p:nvPr>
+        </p:nvSpPr>
+        <p:spPr/>
+        <p:txBody>
+          <a:bodyPr/>
+          <a:lstStyle/>
+          <a:p>
+            <a:r>
+              <a:rPr lang="en-US" sz="1500" dirty="0"/>
+              <a:t>A Vegetation Mapping Strategy for Conifer Forests by Combining Airborne LiDAR Data and Aerial Imagery</a:t>
+            </a:r>
+          </a:p>
+          <a:p>
+            <a:pPr lvl="1"/>
+            <a:r>
+              <a:rPr lang="en-US" sz="1500" dirty="0" err="1"/>
+              <a:t>Su</a:t>
+            </a:r>
+            <a:r>
+              <a:rPr lang="en-US" sz="1500" dirty="0"/>
+              <a:t> et al., Canadian Journal of Remote Sensing, 2016</a:t>
+            </a:r>
+          </a:p>
+          <a:p>
+            <a:r>
+              <a:rPr lang="en-US" sz="1500" dirty="0"/>
+              <a:t>Developing an Automated Land Cover Classifier Using LiDAR and High Resolution Aerial Imagery</a:t>
+            </a:r>
+          </a:p>
+          <a:p>
+            <a:pPr lvl="1"/>
+            <a:r>
+              <a:rPr lang="en-US" sz="1500" dirty="0"/>
+              <a:t>Yasser M. Ayad, Journal of Geoscience and Environment Protection, 2016</a:t>
+            </a:r>
+          </a:p>
+          <a:p>
+            <a:endParaRPr lang="en-US" dirty="0"/>
+          </a:p>
+        </p:txBody>
+      </p:sp>
+    </p:spTree>
+    <p:extLst>
+      <p:ext uri="{BB962C8B-B14F-4D97-AF65-F5344CB8AC3E}">
+        <p14:creationId xmlns:p14="http://schemas.microsoft.com/office/powerpoint/2010/main" val="3377882519"/>
+      </p:ext>
+    </p:extLst>
+  </p:cSld>
+  <p:clrMapOvr>
+    <a:masterClrMapping/>
+  </p:clrMapOvr>
+</p:sld>
+</file>
+
 <file path=ppt/slides/slide2.xml><?xml version="1.0" encoding="utf-8"?>
 <p:sld xmlns:a="http://schemas.openxmlformats.org/drawingml/2006/main" xmlns:r="http://schemas.openxmlformats.org/officeDocument/2006/relationships" xmlns:p="http://schemas.openxmlformats.org/presentationml/2006/main">
   <p:cSld>
